--- a/report/preview.pptx
+++ b/report/preview.pptx
@@ -10415,21 +10415,21 @@
           <a:p>
             <a:pPr algn="l"/>
             <a:r>
-              <a:rPr kumimoji="1" lang="zh-CN" altLang="en-US" dirty="0" smtClean="0"/>
+              <a:rPr kumimoji="1" lang="zh-CN" altLang="en-US" b="1" dirty="0" smtClean="0"/>
               <a:t>基于受控无人车的</a:t>
             </a:r>
             <a:r>
-              <a:rPr kumimoji="1" lang="en-US" altLang="zh-CN" dirty="0" smtClean="0"/>
+              <a:rPr kumimoji="1" lang="en-US" altLang="zh-CN" b="1" dirty="0" smtClean="0"/>
               <a:t/>
             </a:r>
             <a:br>
-              <a:rPr kumimoji="1" lang="en-US" altLang="zh-CN" dirty="0" smtClean="0"/>
+              <a:rPr kumimoji="1" lang="en-US" altLang="zh-CN" b="1" dirty="0" smtClean="0"/>
             </a:br>
             <a:r>
-              <a:rPr kumimoji="1" lang="zh-CN" altLang="en-US" dirty="0" smtClean="0"/>
+              <a:rPr kumimoji="1" lang="zh-CN" altLang="en-US" b="1" dirty="0" smtClean="0"/>
               <a:t>场地探测和三维重建系统</a:t>
             </a:r>
-            <a:endParaRPr kumimoji="1" lang="zh-CN" altLang="en-US" dirty="0"/>
+            <a:endParaRPr kumimoji="1" lang="zh-CN" altLang="en-US" b="1" dirty="0"/>
           </a:p>
         </p:txBody>
       </p:sp>
@@ -10451,50 +10451,50 @@
           <a:lstStyle/>
           <a:p>
             <a:pPr algn="r"/>
-            <a:endParaRPr kumimoji="1" lang="en-US" altLang="zh-CN" dirty="0" smtClean="0"/>
+            <a:endParaRPr kumimoji="1" lang="en-US" altLang="zh-CN" b="1" dirty="0" smtClean="0"/>
           </a:p>
           <a:p>
             <a:pPr algn="r"/>
-            <a:endParaRPr kumimoji="1" lang="en-US" altLang="zh-CN" dirty="0"/>
+            <a:endParaRPr kumimoji="1" lang="en-US" altLang="zh-CN" b="1" dirty="0"/>
           </a:p>
           <a:p>
             <a:pPr algn="r"/>
             <a:r>
-              <a:rPr kumimoji="1" lang="zh-CN" altLang="en-US" dirty="0" smtClean="0"/>
+              <a:rPr kumimoji="1" lang="zh-CN" altLang="en-US" b="1" dirty="0" smtClean="0"/>
               <a:t>张蔚桐 </a:t>
             </a:r>
             <a:r>
-              <a:rPr kumimoji="1" lang="en-US" altLang="zh-CN" dirty="0" smtClean="0"/>
+              <a:rPr kumimoji="1" lang="en-US" altLang="zh-CN" b="1" dirty="0" smtClean="0"/>
               <a:t>2015011493</a:t>
             </a:r>
             <a:r>
-              <a:rPr kumimoji="1" lang="zh-CN" altLang="en-US" dirty="0" smtClean="0"/>
+              <a:rPr kumimoji="1" lang="zh-CN" altLang="en-US" b="1" dirty="0" smtClean="0"/>
               <a:t> 自</a:t>
             </a:r>
             <a:r>
-              <a:rPr kumimoji="1" lang="en-US" altLang="zh-CN" dirty="0" smtClean="0"/>
+              <a:rPr kumimoji="1" lang="en-US" altLang="zh-CN" b="1" dirty="0" smtClean="0"/>
               <a:t>55</a:t>
             </a:r>
           </a:p>
           <a:p>
             <a:pPr algn="r"/>
             <a:r>
-              <a:rPr kumimoji="1" lang="zh-CN" altLang="en-US" dirty="0" smtClean="0"/>
+              <a:rPr kumimoji="1" lang="zh-CN" altLang="en-US" b="1" dirty="0" smtClean="0"/>
               <a:t>陈　崴 </a:t>
             </a:r>
             <a:r>
-              <a:rPr kumimoji="1" lang="en-US" altLang="zh-CN" dirty="0" smtClean="0"/>
+              <a:rPr kumimoji="1" lang="en-US" altLang="zh-CN" b="1" dirty="0" smtClean="0"/>
               <a:t>2015011481</a:t>
             </a:r>
             <a:r>
-              <a:rPr kumimoji="1" lang="zh-CN" altLang="en-US" dirty="0" smtClean="0"/>
+              <a:rPr kumimoji="1" lang="zh-CN" altLang="en-US" b="1" dirty="0" smtClean="0"/>
               <a:t> 自</a:t>
             </a:r>
             <a:r>
-              <a:rPr kumimoji="1" lang="en-US" altLang="zh-CN" dirty="0" smtClean="0"/>
+              <a:rPr kumimoji="1" lang="en-US" altLang="zh-CN" b="1" dirty="0" smtClean="0"/>
               <a:t>55</a:t>
             </a:r>
-            <a:endParaRPr kumimoji="1" lang="zh-CN" altLang="en-US" dirty="0"/>
+            <a:endParaRPr kumimoji="1" lang="zh-CN" altLang="en-US" b="1" dirty="0"/>
           </a:p>
         </p:txBody>
       </p:sp>
@@ -10514,10 +10514,10 @@
           <a:lstStyle/>
           <a:p>
             <a:r>
-              <a:rPr kumimoji="1" lang="en-US" altLang="zh-CN" smtClean="0"/>
+              <a:rPr kumimoji="1" lang="en-US" altLang="zh-CN" b="1" smtClean="0"/>
               <a:t>2017/8/28</a:t>
             </a:r>
-            <a:endParaRPr kumimoji="1" lang="zh-CN" altLang="en-US"/>
+            <a:endParaRPr kumimoji="1" lang="zh-CN" altLang="en-US" b="1"/>
           </a:p>
         </p:txBody>
       </p:sp>
@@ -10537,10 +10537,10 @@
           <a:lstStyle/>
           <a:p>
             <a:fld id="{33EF475E-E69C-414B-8022-7688BE27D44A}" type="slidenum">
-              <a:rPr kumimoji="1" lang="zh-CN" altLang="en-US" smtClean="0"/>
+              <a:rPr kumimoji="1" lang="zh-CN" altLang="en-US" b="1" smtClean="0"/>
               <a:t>1</a:t>
             </a:fld>
-            <a:endParaRPr kumimoji="1" lang="zh-CN" altLang="en-US"/>
+            <a:endParaRPr kumimoji="1" lang="zh-CN" altLang="en-US" b="1"/>
           </a:p>
         </p:txBody>
       </p:sp>
@@ -10597,10 +10597,10 @@
           <a:lstStyle/>
           <a:p>
             <a:r>
-              <a:rPr kumimoji="1" lang="zh-CN" altLang="en-US" dirty="0" smtClean="0"/>
+              <a:rPr kumimoji="1" lang="zh-CN" altLang="en-US" b="1" dirty="0" smtClean="0"/>
               <a:t>三、方案比较和选择</a:t>
             </a:r>
-            <a:endParaRPr kumimoji="1" lang="zh-CN" altLang="en-US" dirty="0"/>
+            <a:endParaRPr kumimoji="1" lang="zh-CN" altLang="en-US" b="1" dirty="0"/>
           </a:p>
         </p:txBody>
       </p:sp>
@@ -10620,45 +10620,85 @@
           <a:lstStyle/>
           <a:p>
             <a:r>
-              <a:rPr kumimoji="1" lang="zh-CN" altLang="en-US" dirty="0" smtClean="0"/>
+              <a:rPr kumimoji="1" lang="zh-CN" altLang="en-US" b="1" dirty="0" smtClean="0">
+                <a:solidFill>
+                  <a:schemeClr val="bg2"/>
+                </a:solidFill>
+              </a:rPr>
               <a:t>主控元件</a:t>
             </a:r>
-            <a:endParaRPr kumimoji="1" lang="en-US" altLang="zh-CN" dirty="0" smtClean="0"/>
-          </a:p>
-          <a:p>
-            <a:r>
-              <a:rPr kumimoji="1" lang="zh-CN" altLang="en-US" dirty="0" smtClean="0"/>
+            <a:endParaRPr kumimoji="1" lang="en-US" altLang="zh-CN" b="1" dirty="0" smtClean="0">
+              <a:solidFill>
+                <a:schemeClr val="bg2"/>
+              </a:solidFill>
+            </a:endParaRPr>
+          </a:p>
+          <a:p>
+            <a:r>
+              <a:rPr kumimoji="1" lang="zh-CN" altLang="en-US" b="1" dirty="0" smtClean="0">
+                <a:solidFill>
+                  <a:schemeClr val="bg2"/>
+                </a:solidFill>
+              </a:rPr>
               <a:t>通信机制</a:t>
             </a:r>
-            <a:endParaRPr kumimoji="1" lang="en-US" altLang="zh-CN" dirty="0" smtClean="0"/>
-          </a:p>
-          <a:p>
-            <a:r>
-              <a:rPr kumimoji="1" lang="zh-CN" altLang="en-US" dirty="0" smtClean="0"/>
+            <a:endParaRPr kumimoji="1" lang="en-US" altLang="zh-CN" b="1" dirty="0" smtClean="0">
+              <a:solidFill>
+                <a:schemeClr val="bg2"/>
+              </a:solidFill>
+            </a:endParaRPr>
+          </a:p>
+          <a:p>
+            <a:r>
+              <a:rPr kumimoji="1" lang="zh-CN" altLang="en-US" b="1" dirty="0" smtClean="0"/>
               <a:t>供电方式</a:t>
             </a:r>
-            <a:endParaRPr kumimoji="1" lang="en-US" altLang="zh-CN" dirty="0" smtClean="0"/>
-          </a:p>
-          <a:p>
-            <a:r>
-              <a:rPr kumimoji="1" lang="zh-CN" altLang="en-US" dirty="0" smtClean="0"/>
+            <a:endParaRPr kumimoji="1" lang="en-US" altLang="zh-CN" b="1" dirty="0" smtClean="0"/>
+          </a:p>
+          <a:p>
+            <a:r>
+              <a:rPr kumimoji="1" lang="zh-CN" altLang="en-US" b="1" dirty="0" smtClean="0">
+                <a:solidFill>
+                  <a:schemeClr val="bg2"/>
+                </a:solidFill>
+              </a:rPr>
               <a:t>摄像头数据传输技术</a:t>
             </a:r>
-            <a:endParaRPr kumimoji="1" lang="en-US" altLang="zh-CN" dirty="0" smtClean="0"/>
-          </a:p>
-          <a:p>
-            <a:r>
-              <a:rPr kumimoji="1" lang="zh-CN" altLang="en-US" dirty="0" smtClean="0"/>
+            <a:endParaRPr kumimoji="1" lang="en-US" altLang="zh-CN" b="1" dirty="0" smtClean="0">
+              <a:solidFill>
+                <a:schemeClr val="bg2"/>
+              </a:solidFill>
+            </a:endParaRPr>
+          </a:p>
+          <a:p>
+            <a:r>
+              <a:rPr kumimoji="1" lang="zh-CN" altLang="en-US" b="1" dirty="0" smtClean="0">
+                <a:solidFill>
+                  <a:schemeClr val="bg2"/>
+                </a:solidFill>
+              </a:rPr>
               <a:t>车辆位置信息处理方式</a:t>
             </a:r>
-            <a:endParaRPr kumimoji="1" lang="en-US" altLang="zh-CN" dirty="0" smtClean="0"/>
-          </a:p>
-          <a:p>
-            <a:r>
-              <a:rPr kumimoji="1" lang="zh-CN" altLang="en-US" smtClean="0"/>
+            <a:endParaRPr kumimoji="1" lang="en-US" altLang="zh-CN" b="1" dirty="0" smtClean="0">
+              <a:solidFill>
+                <a:schemeClr val="bg2"/>
+              </a:solidFill>
+            </a:endParaRPr>
+          </a:p>
+          <a:p>
+            <a:r>
+              <a:rPr kumimoji="1" lang="zh-CN" altLang="en-US" b="1" dirty="0" smtClean="0">
+                <a:solidFill>
+                  <a:schemeClr val="bg2"/>
+                </a:solidFill>
+              </a:rPr>
               <a:t>其他注意事项</a:t>
             </a:r>
-            <a:endParaRPr kumimoji="1" lang="zh-CN" altLang="en-US"/>
+            <a:endParaRPr kumimoji="1" lang="zh-CN" altLang="en-US" b="1" dirty="0">
+              <a:solidFill>
+                <a:schemeClr val="bg2"/>
+              </a:solidFill>
+            </a:endParaRPr>
           </a:p>
         </p:txBody>
       </p:sp>
@@ -10678,10 +10718,10 @@
           <a:lstStyle/>
           <a:p>
             <a:r>
-              <a:rPr kumimoji="1" lang="en-US" altLang="zh-CN" smtClean="0"/>
+              <a:rPr kumimoji="1" lang="en-US" altLang="zh-CN" b="1" smtClean="0"/>
               <a:t>2017/8/28</a:t>
             </a:r>
-            <a:endParaRPr kumimoji="1" lang="zh-CN" altLang="en-US"/>
+            <a:endParaRPr kumimoji="1" lang="zh-CN" altLang="en-US" b="1"/>
           </a:p>
         </p:txBody>
       </p:sp>
@@ -10701,10 +10741,10 @@
           <a:lstStyle/>
           <a:p>
             <a:fld id="{33EF475E-E69C-414B-8022-7688BE27D44A}" type="slidenum">
-              <a:rPr kumimoji="1" lang="zh-CN" altLang="en-US" smtClean="0"/>
+              <a:rPr kumimoji="1" lang="zh-CN" altLang="en-US" b="1" smtClean="0"/>
               <a:t>10</a:t>
             </a:fld>
-            <a:endParaRPr kumimoji="1" lang="zh-CN" altLang="en-US"/>
+            <a:endParaRPr kumimoji="1" lang="zh-CN" altLang="en-US" b="1"/>
           </a:p>
         </p:txBody>
       </p:sp>
@@ -10761,10 +10801,10 @@
           <a:lstStyle/>
           <a:p>
             <a:r>
-              <a:rPr kumimoji="1" lang="zh-CN" altLang="en-US" dirty="0" smtClean="0"/>
+              <a:rPr kumimoji="1" lang="zh-CN" altLang="en-US" b="1" dirty="0" smtClean="0"/>
               <a:t>供电方式</a:t>
             </a:r>
-            <a:endParaRPr kumimoji="1" lang="zh-CN" altLang="en-US" dirty="0"/>
+            <a:endParaRPr kumimoji="1" lang="zh-CN" altLang="en-US" b="1" dirty="0"/>
           </a:p>
         </p:txBody>
       </p:sp>
@@ -10784,48 +10824,48 @@
           <a:lstStyle/>
           <a:p>
             <a:r>
-              <a:rPr kumimoji="1" lang="en-US" altLang="zh-CN" dirty="0" smtClean="0"/>
+              <a:rPr kumimoji="1" lang="en-US" altLang="zh-CN" b="1" dirty="0" smtClean="0"/>
               <a:t>5V@1.5A——</a:t>
             </a:r>
             <a:r>
-              <a:rPr kumimoji="1" lang="zh-CN" altLang="en-US" dirty="0" smtClean="0"/>
+              <a:rPr kumimoji="1" lang="zh-CN" altLang="en-US" b="1" dirty="0" smtClean="0"/>
               <a:t>向</a:t>
             </a:r>
             <a:r>
-              <a:rPr kumimoji="1" lang="en-US" altLang="zh-CN" dirty="0" smtClean="0"/>
+              <a:rPr kumimoji="1" lang="en-US" altLang="zh-CN" b="1" dirty="0" smtClean="0"/>
               <a:t>FPGA</a:t>
             </a:r>
             <a:r>
-              <a:rPr kumimoji="1" lang="zh-CN" altLang="en-US" dirty="0" smtClean="0"/>
+              <a:rPr kumimoji="1" lang="zh-CN" altLang="en-US" b="1" dirty="0" smtClean="0"/>
               <a:t>和舵机供电</a:t>
             </a:r>
-            <a:endParaRPr kumimoji="1" lang="en-US" altLang="zh-CN" dirty="0" smtClean="0"/>
-          </a:p>
-          <a:p>
-            <a:r>
-              <a:rPr kumimoji="1" lang="en-US" altLang="zh-CN" dirty="0" smtClean="0"/>
+            <a:endParaRPr kumimoji="1" lang="en-US" altLang="zh-CN" b="1" dirty="0" smtClean="0"/>
+          </a:p>
+          <a:p>
+            <a:r>
+              <a:rPr kumimoji="1" lang="en-US" altLang="zh-CN" b="1" dirty="0" smtClean="0"/>
               <a:t>3.3V@1.5A——</a:t>
             </a:r>
             <a:r>
-              <a:rPr kumimoji="1" lang="zh-CN" altLang="en-US" dirty="0" smtClean="0"/>
+              <a:rPr kumimoji="1" lang="zh-CN" altLang="en-US" b="1" dirty="0" smtClean="0"/>
               <a:t>向外设供电</a:t>
             </a:r>
-            <a:endParaRPr kumimoji="1" lang="en-US" altLang="zh-CN" dirty="0" smtClean="0"/>
-          </a:p>
-          <a:p>
-            <a:r>
-              <a:rPr kumimoji="1" lang="en-US" altLang="zh-CN" dirty="0" smtClean="0"/>
+            <a:endParaRPr kumimoji="1" lang="en-US" altLang="zh-CN" b="1" dirty="0" smtClean="0"/>
+          </a:p>
+          <a:p>
+            <a:r>
+              <a:rPr kumimoji="1" lang="en-US" altLang="zh-CN" b="1" dirty="0" smtClean="0"/>
               <a:t>7.2V@40A——</a:t>
             </a:r>
             <a:r>
-              <a:rPr kumimoji="1" lang="zh-CN" altLang="en-US" dirty="0" smtClean="0"/>
+              <a:rPr kumimoji="1" lang="zh-CN" altLang="en-US" b="1" dirty="0" smtClean="0"/>
               <a:t>向电机供电，接受</a:t>
             </a:r>
             <a:r>
-              <a:rPr kumimoji="1" lang="en-US" altLang="zh-CN" dirty="0" smtClean="0"/>
+              <a:rPr kumimoji="1" lang="en-US" altLang="zh-CN" b="1" dirty="0" smtClean="0"/>
               <a:t>PWM</a:t>
             </a:r>
-            <a:endParaRPr kumimoji="1" lang="zh-CN" altLang="en-US" dirty="0"/>
+            <a:endParaRPr kumimoji="1" lang="zh-CN" altLang="en-US" b="1" dirty="0"/>
           </a:p>
         </p:txBody>
       </p:sp>
@@ -10845,10 +10885,10 @@
           <a:lstStyle/>
           <a:p>
             <a:r>
-              <a:rPr kumimoji="1" lang="en-US" altLang="zh-CN" smtClean="0"/>
+              <a:rPr kumimoji="1" lang="en-US" altLang="zh-CN" b="1" smtClean="0"/>
               <a:t>2017/8/28</a:t>
             </a:r>
-            <a:endParaRPr kumimoji="1" lang="zh-CN" altLang="en-US"/>
+            <a:endParaRPr kumimoji="1" lang="zh-CN" altLang="en-US" b="1"/>
           </a:p>
         </p:txBody>
       </p:sp>
@@ -10868,10 +10908,10 @@
           <a:lstStyle/>
           <a:p>
             <a:fld id="{33EF475E-E69C-414B-8022-7688BE27D44A}" type="slidenum">
-              <a:rPr kumimoji="1" lang="zh-CN" altLang="en-US" smtClean="0"/>
+              <a:rPr kumimoji="1" lang="zh-CN" altLang="en-US" b="1" smtClean="0"/>
               <a:t>11</a:t>
             </a:fld>
-            <a:endParaRPr kumimoji="1" lang="zh-CN" altLang="en-US"/>
+            <a:endParaRPr kumimoji="1" lang="zh-CN" altLang="en-US" b="1"/>
           </a:p>
         </p:txBody>
       </p:sp>
@@ -10928,10 +10968,10 @@
           <a:lstStyle/>
           <a:p>
             <a:r>
-              <a:rPr kumimoji="1" lang="zh-CN" altLang="en-US" dirty="0" smtClean="0"/>
+              <a:rPr kumimoji="1" lang="zh-CN" altLang="en-US" b="1" dirty="0" smtClean="0"/>
               <a:t>三、方案比较和选择</a:t>
             </a:r>
-            <a:endParaRPr kumimoji="1" lang="zh-CN" altLang="en-US" dirty="0"/>
+            <a:endParaRPr kumimoji="1" lang="zh-CN" altLang="en-US" b="1" dirty="0"/>
           </a:p>
         </p:txBody>
       </p:sp>
@@ -10951,45 +10991,85 @@
           <a:lstStyle/>
           <a:p>
             <a:r>
-              <a:rPr kumimoji="1" lang="zh-CN" altLang="en-US" dirty="0" smtClean="0"/>
+              <a:rPr kumimoji="1" lang="zh-CN" altLang="en-US" b="1" dirty="0" smtClean="0">
+                <a:solidFill>
+                  <a:schemeClr val="bg2"/>
+                </a:solidFill>
+              </a:rPr>
               <a:t>主控元件</a:t>
             </a:r>
-            <a:endParaRPr kumimoji="1" lang="en-US" altLang="zh-CN" dirty="0" smtClean="0"/>
-          </a:p>
-          <a:p>
-            <a:r>
-              <a:rPr kumimoji="1" lang="zh-CN" altLang="en-US" dirty="0" smtClean="0"/>
+            <a:endParaRPr kumimoji="1" lang="en-US" altLang="zh-CN" b="1" dirty="0" smtClean="0">
+              <a:solidFill>
+                <a:schemeClr val="bg2"/>
+              </a:solidFill>
+            </a:endParaRPr>
+          </a:p>
+          <a:p>
+            <a:r>
+              <a:rPr kumimoji="1" lang="zh-CN" altLang="en-US" b="1" dirty="0" smtClean="0">
+                <a:solidFill>
+                  <a:schemeClr val="bg2"/>
+                </a:solidFill>
+              </a:rPr>
               <a:t>通信机制</a:t>
             </a:r>
-            <a:endParaRPr kumimoji="1" lang="en-US" altLang="zh-CN" dirty="0" smtClean="0"/>
-          </a:p>
-          <a:p>
-            <a:r>
-              <a:rPr kumimoji="1" lang="zh-CN" altLang="en-US" dirty="0" smtClean="0"/>
+            <a:endParaRPr kumimoji="1" lang="en-US" altLang="zh-CN" b="1" dirty="0" smtClean="0">
+              <a:solidFill>
+                <a:schemeClr val="bg2"/>
+              </a:solidFill>
+            </a:endParaRPr>
+          </a:p>
+          <a:p>
+            <a:r>
+              <a:rPr kumimoji="1" lang="zh-CN" altLang="en-US" b="1" dirty="0" smtClean="0">
+                <a:solidFill>
+                  <a:schemeClr val="bg2"/>
+                </a:solidFill>
+              </a:rPr>
               <a:t>供电方式</a:t>
             </a:r>
-            <a:endParaRPr kumimoji="1" lang="en-US" altLang="zh-CN" dirty="0" smtClean="0"/>
-          </a:p>
-          <a:p>
-            <a:r>
-              <a:rPr kumimoji="1" lang="zh-CN" altLang="en-US" dirty="0" smtClean="0"/>
+            <a:endParaRPr kumimoji="1" lang="en-US" altLang="zh-CN" b="1" dirty="0" smtClean="0">
+              <a:solidFill>
+                <a:schemeClr val="bg2"/>
+              </a:solidFill>
+            </a:endParaRPr>
+          </a:p>
+          <a:p>
+            <a:r>
+              <a:rPr kumimoji="1" lang="zh-CN" altLang="en-US" b="1" dirty="0" smtClean="0"/>
               <a:t>摄像头数据传输技术</a:t>
             </a:r>
-            <a:endParaRPr kumimoji="1" lang="en-US" altLang="zh-CN" dirty="0" smtClean="0"/>
-          </a:p>
-          <a:p>
-            <a:r>
-              <a:rPr kumimoji="1" lang="zh-CN" altLang="en-US" dirty="0" smtClean="0"/>
+            <a:endParaRPr kumimoji="1" lang="en-US" altLang="zh-CN" b="1" dirty="0" smtClean="0"/>
+          </a:p>
+          <a:p>
+            <a:r>
+              <a:rPr kumimoji="1" lang="zh-CN" altLang="en-US" b="1" dirty="0" smtClean="0">
+                <a:solidFill>
+                  <a:schemeClr val="bg2"/>
+                </a:solidFill>
+              </a:rPr>
               <a:t>车辆位置信息处理方式</a:t>
             </a:r>
-            <a:endParaRPr kumimoji="1" lang="en-US" altLang="zh-CN" dirty="0" smtClean="0"/>
-          </a:p>
-          <a:p>
-            <a:r>
-              <a:rPr kumimoji="1" lang="zh-CN" altLang="en-US" smtClean="0"/>
+            <a:endParaRPr kumimoji="1" lang="en-US" altLang="zh-CN" b="1" dirty="0" smtClean="0">
+              <a:solidFill>
+                <a:schemeClr val="bg2"/>
+              </a:solidFill>
+            </a:endParaRPr>
+          </a:p>
+          <a:p>
+            <a:r>
+              <a:rPr kumimoji="1" lang="zh-CN" altLang="en-US" b="1" dirty="0" smtClean="0">
+                <a:solidFill>
+                  <a:schemeClr val="bg2"/>
+                </a:solidFill>
+              </a:rPr>
               <a:t>其他注意事项</a:t>
             </a:r>
-            <a:endParaRPr kumimoji="1" lang="zh-CN" altLang="en-US"/>
+            <a:endParaRPr kumimoji="1" lang="zh-CN" altLang="en-US" b="1" dirty="0">
+              <a:solidFill>
+                <a:schemeClr val="bg2"/>
+              </a:solidFill>
+            </a:endParaRPr>
           </a:p>
         </p:txBody>
       </p:sp>
@@ -11009,10 +11089,10 @@
           <a:lstStyle/>
           <a:p>
             <a:r>
-              <a:rPr kumimoji="1" lang="en-US" altLang="zh-CN" smtClean="0"/>
+              <a:rPr kumimoji="1" lang="en-US" altLang="zh-CN" b="1" smtClean="0"/>
               <a:t>2017/8/28</a:t>
             </a:r>
-            <a:endParaRPr kumimoji="1" lang="zh-CN" altLang="en-US"/>
+            <a:endParaRPr kumimoji="1" lang="zh-CN" altLang="en-US" b="1"/>
           </a:p>
         </p:txBody>
       </p:sp>
@@ -11032,10 +11112,10 @@
           <a:lstStyle/>
           <a:p>
             <a:fld id="{33EF475E-E69C-414B-8022-7688BE27D44A}" type="slidenum">
-              <a:rPr kumimoji="1" lang="zh-CN" altLang="en-US" smtClean="0"/>
+              <a:rPr kumimoji="1" lang="zh-CN" altLang="en-US" b="1" smtClean="0"/>
               <a:t>12</a:t>
             </a:fld>
-            <a:endParaRPr kumimoji="1" lang="zh-CN" altLang="en-US"/>
+            <a:endParaRPr kumimoji="1" lang="zh-CN" altLang="en-US" b="1"/>
           </a:p>
         </p:txBody>
       </p:sp>
@@ -11092,10 +11172,10 @@
           <a:lstStyle/>
           <a:p>
             <a:r>
-              <a:rPr kumimoji="1" lang="zh-CN" altLang="en-US" dirty="0" smtClean="0"/>
+              <a:rPr kumimoji="1" lang="zh-CN" altLang="en-US" b="1" dirty="0" smtClean="0"/>
               <a:t>摄像头数据传输技术</a:t>
             </a:r>
-            <a:endParaRPr kumimoji="1" lang="zh-CN" altLang="en-US" dirty="0"/>
+            <a:endParaRPr kumimoji="1" lang="zh-CN" altLang="en-US" b="1" dirty="0"/>
           </a:p>
         </p:txBody>
       </p:sp>
@@ -11117,112 +11197,112 @@
           <a:lstStyle/>
           <a:p>
             <a:r>
-              <a:rPr kumimoji="1" lang="en-US" altLang="zh-CN" dirty="0" smtClean="0"/>
+              <a:rPr kumimoji="1" lang="en-US" altLang="zh-CN" b="1" dirty="0" smtClean="0"/>
               <a:t>OV7670</a:t>
             </a:r>
-            <a:endParaRPr kumimoji="1" lang="en-US" altLang="zh-CN" dirty="0"/>
+            <a:endParaRPr kumimoji="1" lang="en-US" altLang="zh-CN" b="1" dirty="0"/>
           </a:p>
           <a:p>
             <a:pPr lvl="1"/>
             <a:r>
-              <a:rPr kumimoji="1" lang="en-US" altLang="zh-CN" dirty="0" smtClean="0"/>
+              <a:rPr kumimoji="1" lang="en-US" altLang="zh-CN" b="1" dirty="0" smtClean="0"/>
               <a:t>CMOS</a:t>
             </a:r>
             <a:r>
-              <a:rPr kumimoji="1" lang="zh-CN" altLang="en-US" dirty="0" smtClean="0"/>
+              <a:rPr kumimoji="1" lang="zh-CN" altLang="en-US" b="1" dirty="0" smtClean="0"/>
               <a:t>图像传感器，输出时钟约</a:t>
             </a:r>
             <a:r>
-              <a:rPr kumimoji="1" lang="en-US" altLang="zh-CN" dirty="0" smtClean="0"/>
+              <a:rPr kumimoji="1" lang="en-US" altLang="zh-CN" b="1" dirty="0" smtClean="0"/>
               <a:t>8MHz</a:t>
             </a:r>
           </a:p>
           <a:p>
             <a:r>
-              <a:rPr kumimoji="1" lang="zh-CN" altLang="en-US" dirty="0" smtClean="0"/>
+              <a:rPr kumimoji="1" lang="zh-CN" altLang="en-US" b="1" dirty="0" smtClean="0"/>
               <a:t>直接采集</a:t>
             </a:r>
-            <a:endParaRPr kumimoji="1" lang="en-US" altLang="zh-CN" dirty="0" smtClean="0"/>
+            <a:endParaRPr kumimoji="1" lang="en-US" altLang="zh-CN" b="1" dirty="0" smtClean="0"/>
           </a:p>
           <a:p>
             <a:pPr lvl="1"/>
             <a:r>
-              <a:rPr kumimoji="1" lang="en-US" altLang="zh-CN" dirty="0" smtClean="0"/>
+              <a:rPr kumimoji="1" lang="en-US" altLang="zh-CN" b="1" dirty="0" smtClean="0"/>
               <a:t>IO</a:t>
             </a:r>
             <a:r>
-              <a:rPr kumimoji="1" lang="zh-CN" altLang="en-US" dirty="0" smtClean="0"/>
+              <a:rPr kumimoji="1" lang="zh-CN" altLang="en-US" b="1" dirty="0" smtClean="0"/>
               <a:t>速度不足</a:t>
             </a:r>
-            <a:endParaRPr kumimoji="1" lang="en-US" altLang="zh-CN" dirty="0" smtClean="0"/>
+            <a:endParaRPr kumimoji="1" lang="en-US" altLang="zh-CN" b="1" dirty="0" smtClean="0"/>
           </a:p>
           <a:p>
             <a:pPr lvl="1"/>
             <a:r>
-              <a:rPr kumimoji="1" lang="zh-CN" altLang="en-US" dirty="0" smtClean="0"/>
+              <a:rPr kumimoji="1" lang="zh-CN" altLang="en-US" b="1" dirty="0" smtClean="0"/>
               <a:t>降低</a:t>
             </a:r>
             <a:r>
-              <a:rPr kumimoji="1" lang="en-US" altLang="zh-CN" dirty="0" smtClean="0"/>
+              <a:rPr kumimoji="1" lang="en-US" altLang="zh-CN" b="1" dirty="0" smtClean="0"/>
               <a:t>CMOS</a:t>
             </a:r>
             <a:r>
-              <a:rPr kumimoji="1" lang="zh-CN" altLang="en-US" dirty="0" smtClean="0"/>
+              <a:rPr kumimoji="1" lang="zh-CN" altLang="en-US" b="1" dirty="0" smtClean="0"/>
               <a:t>输出速度，配置复杂，图像可能失真</a:t>
             </a:r>
-            <a:endParaRPr kumimoji="1" lang="en-US" altLang="zh-CN" dirty="0" smtClean="0"/>
-          </a:p>
-          <a:p>
-            <a:r>
-              <a:rPr kumimoji="1" lang="en-US" altLang="zh-CN" dirty="0" smtClean="0"/>
+            <a:endParaRPr kumimoji="1" lang="en-US" altLang="zh-CN" b="1" dirty="0" smtClean="0"/>
+          </a:p>
+          <a:p>
+            <a:r>
+              <a:rPr kumimoji="1" lang="en-US" altLang="zh-CN" b="1" dirty="0" smtClean="0"/>
               <a:t>DMA</a:t>
             </a:r>
           </a:p>
           <a:p>
             <a:pPr lvl="1"/>
             <a:r>
-              <a:rPr kumimoji="1" lang="zh-CN" altLang="en-US" dirty="0" smtClean="0"/>
+              <a:rPr kumimoji="1" lang="zh-CN" altLang="en-US" b="1" dirty="0" smtClean="0"/>
               <a:t>在</a:t>
             </a:r>
             <a:r>
-              <a:rPr kumimoji="1" lang="en-US" altLang="zh-CN" dirty="0" smtClean="0"/>
+              <a:rPr kumimoji="1" lang="en-US" altLang="zh-CN" b="1" dirty="0" smtClean="0"/>
               <a:t>FPGA</a:t>
             </a:r>
             <a:r>
-              <a:rPr kumimoji="1" lang="zh-CN" altLang="en-US" dirty="0" smtClean="0"/>
+              <a:rPr kumimoji="1" lang="zh-CN" altLang="en-US" b="1" dirty="0" smtClean="0"/>
               <a:t>上效果不明显</a:t>
             </a:r>
-            <a:endParaRPr kumimoji="1" lang="en-US" altLang="zh-CN" dirty="0" smtClean="0"/>
-          </a:p>
-          <a:p>
-            <a:r>
-              <a:rPr kumimoji="1" lang="en-US" altLang="zh-CN" dirty="0" smtClean="0"/>
+            <a:endParaRPr kumimoji="1" lang="en-US" altLang="zh-CN" b="1" dirty="0" smtClean="0"/>
+          </a:p>
+          <a:p>
+            <a:r>
+              <a:rPr kumimoji="1" lang="en-US" altLang="zh-CN" b="1" dirty="0" smtClean="0"/>
               <a:t>FIFO</a:t>
             </a:r>
             <a:r>
-              <a:rPr kumimoji="1" lang="zh-CN" altLang="en-US" dirty="0" smtClean="0"/>
+              <a:rPr kumimoji="1" lang="zh-CN" altLang="en-US" b="1" dirty="0" smtClean="0"/>
               <a:t>模块采集</a:t>
             </a:r>
-            <a:endParaRPr kumimoji="1" lang="en-US" altLang="zh-CN" dirty="0" smtClean="0"/>
+            <a:endParaRPr kumimoji="1" lang="en-US" altLang="zh-CN" b="1" dirty="0" smtClean="0"/>
           </a:p>
           <a:p>
             <a:pPr lvl="1"/>
             <a:r>
-              <a:rPr kumimoji="1" lang="zh-CN" altLang="en-US" dirty="0" smtClean="0"/>
+              <a:rPr kumimoji="1" lang="zh-CN" altLang="en-US" b="1" dirty="0" smtClean="0"/>
               <a:t>不需要高速</a:t>
             </a:r>
             <a:r>
-              <a:rPr kumimoji="1" lang="en-US" altLang="zh-CN" dirty="0" smtClean="0"/>
+              <a:rPr kumimoji="1" lang="en-US" altLang="zh-CN" b="1" dirty="0" smtClean="0"/>
               <a:t>IO</a:t>
             </a:r>
           </a:p>
           <a:p>
             <a:pPr lvl="1"/>
             <a:r>
-              <a:rPr kumimoji="1" lang="zh-CN" altLang="en-US" dirty="0" smtClean="0"/>
+              <a:rPr kumimoji="1" lang="zh-CN" altLang="en-US" b="1" dirty="0" smtClean="0"/>
               <a:t>开发较简单</a:t>
             </a:r>
-            <a:endParaRPr kumimoji="1" lang="zh-CN" altLang="en-US" dirty="0"/>
+            <a:endParaRPr kumimoji="1" lang="zh-CN" altLang="en-US" b="1" dirty="0"/>
           </a:p>
         </p:txBody>
       </p:sp>
@@ -11271,10 +11351,10 @@
           <a:lstStyle/>
           <a:p>
             <a:r>
-              <a:rPr kumimoji="1" lang="en-US" altLang="zh-CN" smtClean="0"/>
+              <a:rPr kumimoji="1" lang="en-US" altLang="zh-CN" b="1" smtClean="0"/>
               <a:t>2017/8/28</a:t>
             </a:r>
-            <a:endParaRPr kumimoji="1" lang="zh-CN" altLang="en-US"/>
+            <a:endParaRPr kumimoji="1" lang="zh-CN" altLang="en-US" b="1"/>
           </a:p>
         </p:txBody>
       </p:sp>
@@ -11294,10 +11374,10 @@
           <a:lstStyle/>
           <a:p>
             <a:fld id="{33EF475E-E69C-414B-8022-7688BE27D44A}" type="slidenum">
-              <a:rPr kumimoji="1" lang="zh-CN" altLang="en-US" smtClean="0"/>
+              <a:rPr kumimoji="1" lang="zh-CN" altLang="en-US" b="1" smtClean="0"/>
               <a:t>13</a:t>
             </a:fld>
-            <a:endParaRPr kumimoji="1" lang="zh-CN" altLang="en-US"/>
+            <a:endParaRPr kumimoji="1" lang="zh-CN" altLang="en-US" b="1"/>
           </a:p>
         </p:txBody>
       </p:sp>
@@ -11441,9 +11521,417 @@
   <p:timing>
     <p:tnLst>
       <p:par>
-        <p:cTn id="1" dur="indefinite" restart="never" nodeType="tmRoot"/>
+        <p:cTn id="1" dur="indefinite" restart="never" nodeType="tmRoot">
+          <p:childTnLst>
+            <p:seq concurrent="1" nextAc="seek">
+              <p:cTn id="2" dur="indefinite" nodeType="mainSeq">
+                <p:childTnLst>
+                  <p:par>
+                    <p:cTn id="3" fill="hold">
+                      <p:stCondLst>
+                        <p:cond delay="indefinite"/>
+                      </p:stCondLst>
+                      <p:childTnLst>
+                        <p:par>
+                          <p:cTn id="4" fill="hold">
+                            <p:stCondLst>
+                              <p:cond delay="0"/>
+                            </p:stCondLst>
+                            <p:childTnLst>
+                              <p:par>
+                                <p:cTn id="5" presetID="1" presetClass="entr" presetSubtype="0" fill="hold" grpId="0" nodeType="clickEffect">
+                                  <p:stCondLst>
+                                    <p:cond delay="0"/>
+                                  </p:stCondLst>
+                                  <p:childTnLst>
+                                    <p:set>
+                                      <p:cBhvr>
+                                        <p:cTn id="6" dur="1" fill="hold">
+                                          <p:stCondLst>
+                                            <p:cond delay="0"/>
+                                          </p:stCondLst>
+                                        </p:cTn>
+                                        <p:tgtEl>
+                                          <p:spTgt spid="3">
+                                            <p:txEl>
+                                              <p:pRg st="0" end="0"/>
+                                            </p:txEl>
+                                          </p:spTgt>
+                                        </p:tgtEl>
+                                        <p:attrNameLst>
+                                          <p:attrName>style.visibility</p:attrName>
+                                        </p:attrNameLst>
+                                      </p:cBhvr>
+                                      <p:to>
+                                        <p:strVal val="visible"/>
+                                      </p:to>
+                                    </p:set>
+                                  </p:childTnLst>
+                                </p:cTn>
+                              </p:par>
+                              <p:par>
+                                <p:cTn id="7" presetID="1" presetClass="entr" presetSubtype="0" fill="hold" grpId="0" nodeType="withEffect">
+                                  <p:stCondLst>
+                                    <p:cond delay="0"/>
+                                  </p:stCondLst>
+                                  <p:childTnLst>
+                                    <p:set>
+                                      <p:cBhvr>
+                                        <p:cTn id="8" dur="1" fill="hold">
+                                          <p:stCondLst>
+                                            <p:cond delay="0"/>
+                                          </p:stCondLst>
+                                        </p:cTn>
+                                        <p:tgtEl>
+                                          <p:spTgt spid="3">
+                                            <p:txEl>
+                                              <p:pRg st="1" end="1"/>
+                                            </p:txEl>
+                                          </p:spTgt>
+                                        </p:tgtEl>
+                                        <p:attrNameLst>
+                                          <p:attrName>style.visibility</p:attrName>
+                                        </p:attrNameLst>
+                                      </p:cBhvr>
+                                      <p:to>
+                                        <p:strVal val="visible"/>
+                                      </p:to>
+                                    </p:set>
+                                  </p:childTnLst>
+                                </p:cTn>
+                              </p:par>
+                            </p:childTnLst>
+                          </p:cTn>
+                        </p:par>
+                      </p:childTnLst>
+                    </p:cTn>
+                  </p:par>
+                  <p:par>
+                    <p:cTn id="9" fill="hold">
+                      <p:stCondLst>
+                        <p:cond delay="indefinite"/>
+                      </p:stCondLst>
+                      <p:childTnLst>
+                        <p:par>
+                          <p:cTn id="10" fill="hold">
+                            <p:stCondLst>
+                              <p:cond delay="0"/>
+                            </p:stCondLst>
+                            <p:childTnLst>
+                              <p:par>
+                                <p:cTn id="11" presetID="1" presetClass="entr" presetSubtype="0" fill="hold" grpId="0" nodeType="clickEffect">
+                                  <p:stCondLst>
+                                    <p:cond delay="0"/>
+                                  </p:stCondLst>
+                                  <p:childTnLst>
+                                    <p:set>
+                                      <p:cBhvr>
+                                        <p:cTn id="12" dur="1" fill="hold">
+                                          <p:stCondLst>
+                                            <p:cond delay="0"/>
+                                          </p:stCondLst>
+                                        </p:cTn>
+                                        <p:tgtEl>
+                                          <p:spTgt spid="3">
+                                            <p:txEl>
+                                              <p:pRg st="2" end="2"/>
+                                            </p:txEl>
+                                          </p:spTgt>
+                                        </p:tgtEl>
+                                        <p:attrNameLst>
+                                          <p:attrName>style.visibility</p:attrName>
+                                        </p:attrNameLst>
+                                      </p:cBhvr>
+                                      <p:to>
+                                        <p:strVal val="visible"/>
+                                      </p:to>
+                                    </p:set>
+                                  </p:childTnLst>
+                                </p:cTn>
+                              </p:par>
+                              <p:par>
+                                <p:cTn id="13" presetID="1" presetClass="entr" presetSubtype="0" fill="hold" grpId="0" nodeType="withEffect">
+                                  <p:stCondLst>
+                                    <p:cond delay="0"/>
+                                  </p:stCondLst>
+                                  <p:childTnLst>
+                                    <p:set>
+                                      <p:cBhvr>
+                                        <p:cTn id="14" dur="1" fill="hold">
+                                          <p:stCondLst>
+                                            <p:cond delay="0"/>
+                                          </p:stCondLst>
+                                        </p:cTn>
+                                        <p:tgtEl>
+                                          <p:spTgt spid="3">
+                                            <p:txEl>
+                                              <p:pRg st="3" end="3"/>
+                                            </p:txEl>
+                                          </p:spTgt>
+                                        </p:tgtEl>
+                                        <p:attrNameLst>
+                                          <p:attrName>style.visibility</p:attrName>
+                                        </p:attrNameLst>
+                                      </p:cBhvr>
+                                      <p:to>
+                                        <p:strVal val="visible"/>
+                                      </p:to>
+                                    </p:set>
+                                  </p:childTnLst>
+                                </p:cTn>
+                              </p:par>
+                              <p:par>
+                                <p:cTn id="15" presetID="1" presetClass="entr" presetSubtype="0" fill="hold" grpId="0" nodeType="withEffect">
+                                  <p:stCondLst>
+                                    <p:cond delay="0"/>
+                                  </p:stCondLst>
+                                  <p:childTnLst>
+                                    <p:set>
+                                      <p:cBhvr>
+                                        <p:cTn id="16" dur="1" fill="hold">
+                                          <p:stCondLst>
+                                            <p:cond delay="0"/>
+                                          </p:stCondLst>
+                                        </p:cTn>
+                                        <p:tgtEl>
+                                          <p:spTgt spid="3">
+                                            <p:txEl>
+                                              <p:pRg st="4" end="4"/>
+                                            </p:txEl>
+                                          </p:spTgt>
+                                        </p:tgtEl>
+                                        <p:attrNameLst>
+                                          <p:attrName>style.visibility</p:attrName>
+                                        </p:attrNameLst>
+                                      </p:cBhvr>
+                                      <p:to>
+                                        <p:strVal val="visible"/>
+                                      </p:to>
+                                    </p:set>
+                                  </p:childTnLst>
+                                </p:cTn>
+                              </p:par>
+                            </p:childTnLst>
+                          </p:cTn>
+                        </p:par>
+                      </p:childTnLst>
+                    </p:cTn>
+                  </p:par>
+                  <p:par>
+                    <p:cTn id="17" fill="hold">
+                      <p:stCondLst>
+                        <p:cond delay="indefinite"/>
+                      </p:stCondLst>
+                      <p:childTnLst>
+                        <p:par>
+                          <p:cTn id="18" fill="hold">
+                            <p:stCondLst>
+                              <p:cond delay="0"/>
+                            </p:stCondLst>
+                            <p:childTnLst>
+                              <p:par>
+                                <p:cTn id="19" presetID="1" presetClass="entr" presetSubtype="0" fill="hold" grpId="0" nodeType="clickEffect">
+                                  <p:stCondLst>
+                                    <p:cond delay="0"/>
+                                  </p:stCondLst>
+                                  <p:childTnLst>
+                                    <p:set>
+                                      <p:cBhvr>
+                                        <p:cTn id="20" dur="1" fill="hold">
+                                          <p:stCondLst>
+                                            <p:cond delay="0"/>
+                                          </p:stCondLst>
+                                        </p:cTn>
+                                        <p:tgtEl>
+                                          <p:spTgt spid="3">
+                                            <p:txEl>
+                                              <p:pRg st="5" end="5"/>
+                                            </p:txEl>
+                                          </p:spTgt>
+                                        </p:tgtEl>
+                                        <p:attrNameLst>
+                                          <p:attrName>style.visibility</p:attrName>
+                                        </p:attrNameLst>
+                                      </p:cBhvr>
+                                      <p:to>
+                                        <p:strVal val="visible"/>
+                                      </p:to>
+                                    </p:set>
+                                  </p:childTnLst>
+                                </p:cTn>
+                              </p:par>
+                              <p:par>
+                                <p:cTn id="21" presetID="1" presetClass="entr" presetSubtype="0" fill="hold" grpId="0" nodeType="withEffect">
+                                  <p:stCondLst>
+                                    <p:cond delay="0"/>
+                                  </p:stCondLst>
+                                  <p:childTnLst>
+                                    <p:set>
+                                      <p:cBhvr>
+                                        <p:cTn id="22" dur="1" fill="hold">
+                                          <p:stCondLst>
+                                            <p:cond delay="0"/>
+                                          </p:stCondLst>
+                                        </p:cTn>
+                                        <p:tgtEl>
+                                          <p:spTgt spid="3">
+                                            <p:txEl>
+                                              <p:pRg st="6" end="6"/>
+                                            </p:txEl>
+                                          </p:spTgt>
+                                        </p:tgtEl>
+                                        <p:attrNameLst>
+                                          <p:attrName>style.visibility</p:attrName>
+                                        </p:attrNameLst>
+                                      </p:cBhvr>
+                                      <p:to>
+                                        <p:strVal val="visible"/>
+                                      </p:to>
+                                    </p:set>
+                                  </p:childTnLst>
+                                </p:cTn>
+                              </p:par>
+                            </p:childTnLst>
+                          </p:cTn>
+                        </p:par>
+                      </p:childTnLst>
+                    </p:cTn>
+                  </p:par>
+                  <p:par>
+                    <p:cTn id="23" fill="hold">
+                      <p:stCondLst>
+                        <p:cond delay="indefinite"/>
+                      </p:stCondLst>
+                      <p:childTnLst>
+                        <p:par>
+                          <p:cTn id="24" fill="hold">
+                            <p:stCondLst>
+                              <p:cond delay="0"/>
+                            </p:stCondLst>
+                            <p:childTnLst>
+                              <p:par>
+                                <p:cTn id="25" presetID="1" presetClass="entr" presetSubtype="0" fill="hold" grpId="0" nodeType="clickEffect">
+                                  <p:stCondLst>
+                                    <p:cond delay="0"/>
+                                  </p:stCondLst>
+                                  <p:childTnLst>
+                                    <p:set>
+                                      <p:cBhvr>
+                                        <p:cTn id="26" dur="1" fill="hold">
+                                          <p:stCondLst>
+                                            <p:cond delay="0"/>
+                                          </p:stCondLst>
+                                        </p:cTn>
+                                        <p:tgtEl>
+                                          <p:spTgt spid="3">
+                                            <p:txEl>
+                                              <p:pRg st="7" end="7"/>
+                                            </p:txEl>
+                                          </p:spTgt>
+                                        </p:tgtEl>
+                                        <p:attrNameLst>
+                                          <p:attrName>style.visibility</p:attrName>
+                                        </p:attrNameLst>
+                                      </p:cBhvr>
+                                      <p:to>
+                                        <p:strVal val="visible"/>
+                                      </p:to>
+                                    </p:set>
+                                  </p:childTnLst>
+                                </p:cTn>
+                              </p:par>
+                              <p:par>
+                                <p:cTn id="27" presetID="1" presetClass="entr" presetSubtype="0" fill="hold" grpId="0" nodeType="withEffect">
+                                  <p:stCondLst>
+                                    <p:cond delay="0"/>
+                                  </p:stCondLst>
+                                  <p:childTnLst>
+                                    <p:set>
+                                      <p:cBhvr>
+                                        <p:cTn id="28" dur="1" fill="hold">
+                                          <p:stCondLst>
+                                            <p:cond delay="0"/>
+                                          </p:stCondLst>
+                                        </p:cTn>
+                                        <p:tgtEl>
+                                          <p:spTgt spid="3">
+                                            <p:txEl>
+                                              <p:pRg st="8" end="8"/>
+                                            </p:txEl>
+                                          </p:spTgt>
+                                        </p:tgtEl>
+                                        <p:attrNameLst>
+                                          <p:attrName>style.visibility</p:attrName>
+                                        </p:attrNameLst>
+                                      </p:cBhvr>
+                                      <p:to>
+                                        <p:strVal val="visible"/>
+                                      </p:to>
+                                    </p:set>
+                                  </p:childTnLst>
+                                </p:cTn>
+                              </p:par>
+                              <p:par>
+                                <p:cTn id="29" presetID="1" presetClass="entr" presetSubtype="0" fill="hold" grpId="0" nodeType="withEffect">
+                                  <p:stCondLst>
+                                    <p:cond delay="0"/>
+                                  </p:stCondLst>
+                                  <p:childTnLst>
+                                    <p:set>
+                                      <p:cBhvr>
+                                        <p:cTn id="30" dur="1" fill="hold">
+                                          <p:stCondLst>
+                                            <p:cond delay="0"/>
+                                          </p:stCondLst>
+                                        </p:cTn>
+                                        <p:tgtEl>
+                                          <p:spTgt spid="3">
+                                            <p:txEl>
+                                              <p:pRg st="9" end="9"/>
+                                            </p:txEl>
+                                          </p:spTgt>
+                                        </p:tgtEl>
+                                        <p:attrNameLst>
+                                          <p:attrName>style.visibility</p:attrName>
+                                        </p:attrNameLst>
+                                      </p:cBhvr>
+                                      <p:to>
+                                        <p:strVal val="visible"/>
+                                      </p:to>
+                                    </p:set>
+                                  </p:childTnLst>
+                                </p:cTn>
+                              </p:par>
+                            </p:childTnLst>
+                          </p:cTn>
+                        </p:par>
+                      </p:childTnLst>
+                    </p:cTn>
+                  </p:par>
+                </p:childTnLst>
+              </p:cTn>
+              <p:prevCondLst>
+                <p:cond evt="onPrev" delay="0">
+                  <p:tgtEl>
+                    <p:sldTgt/>
+                  </p:tgtEl>
+                </p:cond>
+              </p:prevCondLst>
+              <p:nextCondLst>
+                <p:cond evt="onNext" delay="0">
+                  <p:tgtEl>
+                    <p:sldTgt/>
+                  </p:tgtEl>
+                </p:cond>
+              </p:nextCondLst>
+            </p:seq>
+          </p:childTnLst>
+        </p:cTn>
       </p:par>
     </p:tnLst>
+    <p:bldLst>
+      <p:bldP spid="3" grpId="0" build="p"/>
+    </p:bldLst>
   </p:timing>
 </p:sld>
 </file>
@@ -11481,10 +11969,10 @@
           <a:lstStyle/>
           <a:p>
             <a:r>
-              <a:rPr kumimoji="1" lang="zh-CN" altLang="en-US" dirty="0" smtClean="0"/>
+              <a:rPr kumimoji="1" lang="zh-CN" altLang="en-US" b="1" dirty="0" smtClean="0"/>
               <a:t>三、方案比较和选择</a:t>
             </a:r>
-            <a:endParaRPr kumimoji="1" lang="zh-CN" altLang="en-US" dirty="0"/>
+            <a:endParaRPr kumimoji="1" lang="zh-CN" altLang="en-US" b="1" dirty="0"/>
           </a:p>
         </p:txBody>
       </p:sp>
@@ -11504,45 +11992,85 @@
           <a:lstStyle/>
           <a:p>
             <a:r>
-              <a:rPr kumimoji="1" lang="zh-CN" altLang="en-US" dirty="0" smtClean="0"/>
+              <a:rPr kumimoji="1" lang="zh-CN" altLang="en-US" b="1" dirty="0" smtClean="0">
+                <a:solidFill>
+                  <a:schemeClr val="bg2"/>
+                </a:solidFill>
+              </a:rPr>
               <a:t>主控元件</a:t>
             </a:r>
-            <a:endParaRPr kumimoji="1" lang="en-US" altLang="zh-CN" dirty="0" smtClean="0"/>
-          </a:p>
-          <a:p>
-            <a:r>
-              <a:rPr kumimoji="1" lang="zh-CN" altLang="en-US" dirty="0" smtClean="0"/>
+            <a:endParaRPr kumimoji="1" lang="en-US" altLang="zh-CN" b="1" dirty="0" smtClean="0">
+              <a:solidFill>
+                <a:schemeClr val="bg2"/>
+              </a:solidFill>
+            </a:endParaRPr>
+          </a:p>
+          <a:p>
+            <a:r>
+              <a:rPr kumimoji="1" lang="zh-CN" altLang="en-US" b="1" dirty="0" smtClean="0">
+                <a:solidFill>
+                  <a:schemeClr val="bg2"/>
+                </a:solidFill>
+              </a:rPr>
               <a:t>通信机制</a:t>
             </a:r>
-            <a:endParaRPr kumimoji="1" lang="en-US" altLang="zh-CN" dirty="0" smtClean="0"/>
-          </a:p>
-          <a:p>
-            <a:r>
-              <a:rPr kumimoji="1" lang="zh-CN" altLang="en-US" dirty="0" smtClean="0"/>
+            <a:endParaRPr kumimoji="1" lang="en-US" altLang="zh-CN" b="1" dirty="0" smtClean="0">
+              <a:solidFill>
+                <a:schemeClr val="bg2"/>
+              </a:solidFill>
+            </a:endParaRPr>
+          </a:p>
+          <a:p>
+            <a:r>
+              <a:rPr kumimoji="1" lang="zh-CN" altLang="en-US" b="1" dirty="0" smtClean="0">
+                <a:solidFill>
+                  <a:schemeClr val="bg2"/>
+                </a:solidFill>
+              </a:rPr>
               <a:t>供电方式</a:t>
             </a:r>
-            <a:endParaRPr kumimoji="1" lang="en-US" altLang="zh-CN" dirty="0" smtClean="0"/>
-          </a:p>
-          <a:p>
-            <a:r>
-              <a:rPr kumimoji="1" lang="zh-CN" altLang="en-US" dirty="0" smtClean="0"/>
+            <a:endParaRPr kumimoji="1" lang="en-US" altLang="zh-CN" b="1" dirty="0" smtClean="0">
+              <a:solidFill>
+                <a:schemeClr val="bg2"/>
+              </a:solidFill>
+            </a:endParaRPr>
+          </a:p>
+          <a:p>
+            <a:r>
+              <a:rPr kumimoji="1" lang="zh-CN" altLang="en-US" b="1" dirty="0" smtClean="0">
+                <a:solidFill>
+                  <a:schemeClr val="bg2"/>
+                </a:solidFill>
+              </a:rPr>
               <a:t>摄像头数据传输技术</a:t>
             </a:r>
-            <a:endParaRPr kumimoji="1" lang="en-US" altLang="zh-CN" dirty="0" smtClean="0"/>
-          </a:p>
-          <a:p>
-            <a:r>
-              <a:rPr kumimoji="1" lang="zh-CN" altLang="en-US" dirty="0" smtClean="0"/>
+            <a:endParaRPr kumimoji="1" lang="en-US" altLang="zh-CN" b="1" dirty="0" smtClean="0">
+              <a:solidFill>
+                <a:schemeClr val="bg2"/>
+              </a:solidFill>
+            </a:endParaRPr>
+          </a:p>
+          <a:p>
+            <a:r>
+              <a:rPr kumimoji="1" lang="zh-CN" altLang="en-US" b="1" dirty="0" smtClean="0"/>
               <a:t>车辆位置信息处理方式</a:t>
             </a:r>
-            <a:endParaRPr kumimoji="1" lang="en-US" altLang="zh-CN" dirty="0" smtClean="0"/>
-          </a:p>
-          <a:p>
-            <a:r>
-              <a:rPr kumimoji="1" lang="zh-CN" altLang="en-US" smtClean="0"/>
+            <a:endParaRPr kumimoji="1" lang="en-US" altLang="zh-CN" b="1" dirty="0" smtClean="0"/>
+          </a:p>
+          <a:p>
+            <a:r>
+              <a:rPr kumimoji="1" lang="zh-CN" altLang="en-US" b="1" dirty="0" smtClean="0">
+                <a:solidFill>
+                  <a:schemeClr val="bg2"/>
+                </a:solidFill>
+              </a:rPr>
               <a:t>其他注意事项</a:t>
             </a:r>
-            <a:endParaRPr kumimoji="1" lang="zh-CN" altLang="en-US"/>
+            <a:endParaRPr kumimoji="1" lang="zh-CN" altLang="en-US" b="1" dirty="0">
+              <a:solidFill>
+                <a:schemeClr val="bg2"/>
+              </a:solidFill>
+            </a:endParaRPr>
           </a:p>
         </p:txBody>
       </p:sp>
@@ -11562,10 +12090,10 @@
           <a:lstStyle/>
           <a:p>
             <a:r>
-              <a:rPr kumimoji="1" lang="en-US" altLang="zh-CN" smtClean="0"/>
+              <a:rPr kumimoji="1" lang="en-US" altLang="zh-CN" b="1" smtClean="0"/>
               <a:t>2017/8/28</a:t>
             </a:r>
-            <a:endParaRPr kumimoji="1" lang="zh-CN" altLang="en-US"/>
+            <a:endParaRPr kumimoji="1" lang="zh-CN" altLang="en-US" b="1"/>
           </a:p>
         </p:txBody>
       </p:sp>
@@ -11585,10 +12113,10 @@
           <a:lstStyle/>
           <a:p>
             <a:fld id="{33EF475E-E69C-414B-8022-7688BE27D44A}" type="slidenum">
-              <a:rPr kumimoji="1" lang="zh-CN" altLang="en-US" smtClean="0"/>
+              <a:rPr kumimoji="1" lang="zh-CN" altLang="en-US" b="1" smtClean="0"/>
               <a:t>14</a:t>
             </a:fld>
-            <a:endParaRPr kumimoji="1" lang="zh-CN" altLang="en-US"/>
+            <a:endParaRPr kumimoji="1" lang="zh-CN" altLang="en-US" b="1"/>
           </a:p>
         </p:txBody>
       </p:sp>
@@ -11645,10 +12173,10 @@
           <a:lstStyle/>
           <a:p>
             <a:r>
-              <a:rPr kumimoji="1" lang="zh-CN" altLang="en-US" dirty="0" smtClean="0"/>
+              <a:rPr kumimoji="1" lang="zh-CN" altLang="en-US" b="1" dirty="0" smtClean="0"/>
               <a:t>车辆位置信息处理方式</a:t>
             </a:r>
-            <a:endParaRPr kumimoji="1" lang="zh-CN" altLang="en-US" dirty="0"/>
+            <a:endParaRPr kumimoji="1" lang="zh-CN" altLang="en-US" b="1" dirty="0"/>
           </a:p>
         </p:txBody>
       </p:sp>
@@ -11668,71 +12196,71 @@
           <a:lstStyle/>
           <a:p>
             <a:r>
-              <a:rPr kumimoji="1" lang="en-US" altLang="zh-CN" dirty="0" smtClean="0"/>
+              <a:rPr kumimoji="1" lang="en-US" altLang="zh-CN" b="1" dirty="0" smtClean="0"/>
               <a:t>IMU</a:t>
             </a:r>
           </a:p>
           <a:p>
             <a:pPr lvl="1"/>
             <a:r>
-              <a:rPr kumimoji="1" lang="zh-CN" altLang="en-US" dirty="0" smtClean="0"/>
+              <a:rPr kumimoji="1" lang="zh-CN" altLang="en-US" b="1" dirty="0" smtClean="0"/>
               <a:t>通过加速度计和陀螺仪直接读取</a:t>
             </a:r>
-            <a:endParaRPr kumimoji="1" lang="en-US" altLang="zh-CN" dirty="0" smtClean="0"/>
+            <a:endParaRPr kumimoji="1" lang="en-US" altLang="zh-CN" b="1" dirty="0" smtClean="0"/>
           </a:p>
           <a:p>
             <a:pPr lvl="1"/>
             <a:r>
-              <a:rPr kumimoji="1" lang="zh-CN" altLang="en-US" dirty="0" smtClean="0"/>
+              <a:rPr kumimoji="1" lang="zh-CN" altLang="en-US" b="1" dirty="0" smtClean="0"/>
               <a:t>加速度计易受颠簸、碰撞、刹车等造成脉冲影响，积分计算误差大</a:t>
             </a:r>
-            <a:endParaRPr kumimoji="1" lang="en-US" altLang="zh-CN" dirty="0" smtClean="0"/>
+            <a:endParaRPr kumimoji="1" lang="en-US" altLang="zh-CN" b="1" dirty="0" smtClean="0"/>
           </a:p>
           <a:p>
             <a:pPr lvl="1"/>
             <a:r>
-              <a:rPr kumimoji="1" lang="zh-CN" altLang="en-US" dirty="0" smtClean="0"/>
+              <a:rPr kumimoji="1" lang="zh-CN" altLang="en-US" b="1" dirty="0" smtClean="0"/>
               <a:t>陀螺仪存在温漂和零点波动，积分计算误差大</a:t>
             </a:r>
-            <a:endParaRPr kumimoji="1" lang="en-US" altLang="zh-CN" dirty="0" smtClean="0"/>
-          </a:p>
-          <a:p>
-            <a:r>
-              <a:rPr kumimoji="1" lang="zh-CN" altLang="en-US" dirty="0" smtClean="0"/>
+            <a:endParaRPr kumimoji="1" lang="en-US" altLang="zh-CN" b="1" dirty="0" smtClean="0"/>
+          </a:p>
+          <a:p>
+            <a:r>
+              <a:rPr kumimoji="1" lang="zh-CN" altLang="en-US" b="1" dirty="0" smtClean="0"/>
               <a:t>磁场计</a:t>
             </a:r>
-            <a:endParaRPr kumimoji="1" lang="en-US" altLang="zh-CN" dirty="0" smtClean="0"/>
+            <a:endParaRPr kumimoji="1" lang="en-US" altLang="zh-CN" b="1" dirty="0" smtClean="0"/>
           </a:p>
           <a:p>
             <a:pPr lvl="1"/>
             <a:r>
-              <a:rPr kumimoji="1" lang="zh-CN" altLang="en-US" dirty="0" smtClean="0"/>
+              <a:rPr kumimoji="1" lang="zh-CN" altLang="en-US" b="1" dirty="0" smtClean="0"/>
               <a:t>一般误差较小，但受电机产生磁场影响，此方案基本无效</a:t>
             </a:r>
-            <a:endParaRPr kumimoji="1" lang="en-US" altLang="zh-CN" dirty="0" smtClean="0"/>
-          </a:p>
-          <a:p>
-            <a:r>
-              <a:rPr kumimoji="1" lang="zh-CN" altLang="en-US" dirty="0" smtClean="0"/>
+            <a:endParaRPr kumimoji="1" lang="en-US" altLang="zh-CN" b="1" dirty="0" smtClean="0"/>
+          </a:p>
+          <a:p>
+            <a:r>
+              <a:rPr kumimoji="1" lang="zh-CN" altLang="en-US" b="1" dirty="0" smtClean="0"/>
               <a:t>码盘</a:t>
             </a:r>
-            <a:endParaRPr kumimoji="1" lang="en-US" altLang="zh-CN" dirty="0" smtClean="0"/>
+            <a:endParaRPr kumimoji="1" lang="en-US" altLang="zh-CN" b="1" dirty="0" smtClean="0"/>
           </a:p>
           <a:p>
             <a:pPr lvl="1"/>
             <a:r>
-              <a:rPr kumimoji="1" lang="zh-CN" altLang="en-US" dirty="0" smtClean="0"/>
+              <a:rPr kumimoji="1" lang="zh-CN" altLang="en-US" b="1" dirty="0" smtClean="0"/>
               <a:t>使用光电传感器测量车轮转速，解算后得到具体位置，较准确</a:t>
             </a:r>
-            <a:endParaRPr kumimoji="1" lang="en-US" altLang="zh-CN" dirty="0" smtClean="0"/>
+            <a:endParaRPr kumimoji="1" lang="en-US" altLang="zh-CN" b="1" dirty="0" smtClean="0"/>
           </a:p>
           <a:p>
             <a:pPr lvl="1"/>
             <a:r>
-              <a:rPr kumimoji="1" lang="zh-CN" altLang="en-US" dirty="0" smtClean="0"/>
+              <a:rPr kumimoji="1" lang="zh-CN" altLang="en-US" b="1" dirty="0" smtClean="0"/>
               <a:t>难点在于码盘的安装和对小车的建模</a:t>
             </a:r>
-            <a:endParaRPr kumimoji="1" lang="zh-CN" altLang="en-US" dirty="0"/>
+            <a:endParaRPr kumimoji="1" lang="zh-CN" altLang="en-US" b="1" dirty="0"/>
           </a:p>
         </p:txBody>
       </p:sp>
@@ -11752,10 +12280,10 @@
           <a:lstStyle/>
           <a:p>
             <a:r>
-              <a:rPr kumimoji="1" lang="en-US" altLang="zh-CN" smtClean="0"/>
+              <a:rPr kumimoji="1" lang="en-US" altLang="zh-CN" b="1" smtClean="0"/>
               <a:t>2017/8/28</a:t>
             </a:r>
-            <a:endParaRPr kumimoji="1" lang="zh-CN" altLang="en-US"/>
+            <a:endParaRPr kumimoji="1" lang="zh-CN" altLang="en-US" b="1"/>
           </a:p>
         </p:txBody>
       </p:sp>
@@ -11775,10 +12303,10 @@
           <a:lstStyle/>
           <a:p>
             <a:fld id="{33EF475E-E69C-414B-8022-7688BE27D44A}" type="slidenum">
-              <a:rPr kumimoji="1" lang="zh-CN" altLang="en-US" smtClean="0"/>
+              <a:rPr kumimoji="1" lang="zh-CN" altLang="en-US" b="1" smtClean="0"/>
               <a:t>15</a:t>
             </a:fld>
-            <a:endParaRPr kumimoji="1" lang="zh-CN" altLang="en-US"/>
+            <a:endParaRPr kumimoji="1" lang="zh-CN" altLang="en-US" b="1"/>
           </a:p>
         </p:txBody>
       </p:sp>
@@ -11795,9 +12323,368 @@
   <p:timing>
     <p:tnLst>
       <p:par>
-        <p:cTn id="1" dur="indefinite" restart="never" nodeType="tmRoot"/>
+        <p:cTn id="1" dur="indefinite" restart="never" nodeType="tmRoot">
+          <p:childTnLst>
+            <p:seq concurrent="1" nextAc="seek">
+              <p:cTn id="2" dur="indefinite" nodeType="mainSeq">
+                <p:childTnLst>
+                  <p:par>
+                    <p:cTn id="3" fill="hold">
+                      <p:stCondLst>
+                        <p:cond delay="indefinite"/>
+                      </p:stCondLst>
+                      <p:childTnLst>
+                        <p:par>
+                          <p:cTn id="4" fill="hold">
+                            <p:stCondLst>
+                              <p:cond delay="0"/>
+                            </p:stCondLst>
+                            <p:childTnLst>
+                              <p:par>
+                                <p:cTn id="5" presetID="1" presetClass="entr" presetSubtype="0" fill="hold" grpId="0" nodeType="clickEffect">
+                                  <p:stCondLst>
+                                    <p:cond delay="0"/>
+                                  </p:stCondLst>
+                                  <p:childTnLst>
+                                    <p:set>
+                                      <p:cBhvr>
+                                        <p:cTn id="6" dur="1" fill="hold">
+                                          <p:stCondLst>
+                                            <p:cond delay="0"/>
+                                          </p:stCondLst>
+                                        </p:cTn>
+                                        <p:tgtEl>
+                                          <p:spTgt spid="3">
+                                            <p:txEl>
+                                              <p:pRg st="0" end="0"/>
+                                            </p:txEl>
+                                          </p:spTgt>
+                                        </p:tgtEl>
+                                        <p:attrNameLst>
+                                          <p:attrName>style.visibility</p:attrName>
+                                        </p:attrNameLst>
+                                      </p:cBhvr>
+                                      <p:to>
+                                        <p:strVal val="visible"/>
+                                      </p:to>
+                                    </p:set>
+                                  </p:childTnLst>
+                                </p:cTn>
+                              </p:par>
+                              <p:par>
+                                <p:cTn id="7" presetID="1" presetClass="entr" presetSubtype="0" fill="hold" grpId="0" nodeType="withEffect">
+                                  <p:stCondLst>
+                                    <p:cond delay="0"/>
+                                  </p:stCondLst>
+                                  <p:childTnLst>
+                                    <p:set>
+                                      <p:cBhvr>
+                                        <p:cTn id="8" dur="1" fill="hold">
+                                          <p:stCondLst>
+                                            <p:cond delay="0"/>
+                                          </p:stCondLst>
+                                        </p:cTn>
+                                        <p:tgtEl>
+                                          <p:spTgt spid="3">
+                                            <p:txEl>
+                                              <p:pRg st="1" end="1"/>
+                                            </p:txEl>
+                                          </p:spTgt>
+                                        </p:tgtEl>
+                                        <p:attrNameLst>
+                                          <p:attrName>style.visibility</p:attrName>
+                                        </p:attrNameLst>
+                                      </p:cBhvr>
+                                      <p:to>
+                                        <p:strVal val="visible"/>
+                                      </p:to>
+                                    </p:set>
+                                  </p:childTnLst>
+                                </p:cTn>
+                              </p:par>
+                              <p:par>
+                                <p:cTn id="9" presetID="1" presetClass="entr" presetSubtype="0" fill="hold" grpId="0" nodeType="withEffect">
+                                  <p:stCondLst>
+                                    <p:cond delay="0"/>
+                                  </p:stCondLst>
+                                  <p:childTnLst>
+                                    <p:set>
+                                      <p:cBhvr>
+                                        <p:cTn id="10" dur="1" fill="hold">
+                                          <p:stCondLst>
+                                            <p:cond delay="0"/>
+                                          </p:stCondLst>
+                                        </p:cTn>
+                                        <p:tgtEl>
+                                          <p:spTgt spid="3">
+                                            <p:txEl>
+                                              <p:pRg st="2" end="2"/>
+                                            </p:txEl>
+                                          </p:spTgt>
+                                        </p:tgtEl>
+                                        <p:attrNameLst>
+                                          <p:attrName>style.visibility</p:attrName>
+                                        </p:attrNameLst>
+                                      </p:cBhvr>
+                                      <p:to>
+                                        <p:strVal val="visible"/>
+                                      </p:to>
+                                    </p:set>
+                                  </p:childTnLst>
+                                </p:cTn>
+                              </p:par>
+                              <p:par>
+                                <p:cTn id="11" presetID="1" presetClass="entr" presetSubtype="0" fill="hold" grpId="0" nodeType="withEffect">
+                                  <p:stCondLst>
+                                    <p:cond delay="0"/>
+                                  </p:stCondLst>
+                                  <p:childTnLst>
+                                    <p:set>
+                                      <p:cBhvr>
+                                        <p:cTn id="12" dur="1" fill="hold">
+                                          <p:stCondLst>
+                                            <p:cond delay="0"/>
+                                          </p:stCondLst>
+                                        </p:cTn>
+                                        <p:tgtEl>
+                                          <p:spTgt spid="3">
+                                            <p:txEl>
+                                              <p:pRg st="3" end="3"/>
+                                            </p:txEl>
+                                          </p:spTgt>
+                                        </p:tgtEl>
+                                        <p:attrNameLst>
+                                          <p:attrName>style.visibility</p:attrName>
+                                        </p:attrNameLst>
+                                      </p:cBhvr>
+                                      <p:to>
+                                        <p:strVal val="visible"/>
+                                      </p:to>
+                                    </p:set>
+                                  </p:childTnLst>
+                                </p:cTn>
+                              </p:par>
+                            </p:childTnLst>
+                          </p:cTn>
+                        </p:par>
+                      </p:childTnLst>
+                    </p:cTn>
+                  </p:par>
+                  <p:par>
+                    <p:cTn id="13" fill="hold">
+                      <p:stCondLst>
+                        <p:cond delay="indefinite"/>
+                      </p:stCondLst>
+                      <p:childTnLst>
+                        <p:par>
+                          <p:cTn id="14" fill="hold">
+                            <p:stCondLst>
+                              <p:cond delay="0"/>
+                            </p:stCondLst>
+                            <p:childTnLst>
+                              <p:par>
+                                <p:cTn id="15" presetID="1" presetClass="entr" presetSubtype="0" fill="hold" grpId="0" nodeType="clickEffect">
+                                  <p:stCondLst>
+                                    <p:cond delay="0"/>
+                                  </p:stCondLst>
+                                  <p:childTnLst>
+                                    <p:set>
+                                      <p:cBhvr>
+                                        <p:cTn id="16" dur="1" fill="hold">
+                                          <p:stCondLst>
+                                            <p:cond delay="0"/>
+                                          </p:stCondLst>
+                                        </p:cTn>
+                                        <p:tgtEl>
+                                          <p:spTgt spid="3">
+                                            <p:txEl>
+                                              <p:pRg st="4" end="4"/>
+                                            </p:txEl>
+                                          </p:spTgt>
+                                        </p:tgtEl>
+                                        <p:attrNameLst>
+                                          <p:attrName>style.visibility</p:attrName>
+                                        </p:attrNameLst>
+                                      </p:cBhvr>
+                                      <p:to>
+                                        <p:strVal val="visible"/>
+                                      </p:to>
+                                    </p:set>
+                                  </p:childTnLst>
+                                </p:cTn>
+                              </p:par>
+                              <p:par>
+                                <p:cTn id="17" presetID="1" presetClass="entr" presetSubtype="0" fill="hold" grpId="0" nodeType="withEffect">
+                                  <p:stCondLst>
+                                    <p:cond delay="0"/>
+                                  </p:stCondLst>
+                                  <p:childTnLst>
+                                    <p:set>
+                                      <p:cBhvr>
+                                        <p:cTn id="18" dur="1" fill="hold">
+                                          <p:stCondLst>
+                                            <p:cond delay="0"/>
+                                          </p:stCondLst>
+                                        </p:cTn>
+                                        <p:tgtEl>
+                                          <p:spTgt spid="3">
+                                            <p:txEl>
+                                              <p:pRg st="5" end="5"/>
+                                            </p:txEl>
+                                          </p:spTgt>
+                                        </p:tgtEl>
+                                        <p:attrNameLst>
+                                          <p:attrName>style.visibility</p:attrName>
+                                        </p:attrNameLst>
+                                      </p:cBhvr>
+                                      <p:to>
+                                        <p:strVal val="visible"/>
+                                      </p:to>
+                                    </p:set>
+                                  </p:childTnLst>
+                                </p:cTn>
+                              </p:par>
+                            </p:childTnLst>
+                          </p:cTn>
+                        </p:par>
+                      </p:childTnLst>
+                    </p:cTn>
+                  </p:par>
+                  <p:par>
+                    <p:cTn id="19" fill="hold">
+                      <p:stCondLst>
+                        <p:cond delay="indefinite"/>
+                      </p:stCondLst>
+                      <p:childTnLst>
+                        <p:par>
+                          <p:cTn id="20" fill="hold">
+                            <p:stCondLst>
+                              <p:cond delay="0"/>
+                            </p:stCondLst>
+                            <p:childTnLst>
+                              <p:par>
+                                <p:cTn id="21" presetID="1" presetClass="entr" presetSubtype="0" fill="hold" grpId="0" nodeType="clickEffect">
+                                  <p:stCondLst>
+                                    <p:cond delay="0"/>
+                                  </p:stCondLst>
+                                  <p:childTnLst>
+                                    <p:set>
+                                      <p:cBhvr>
+                                        <p:cTn id="22" dur="1" fill="hold">
+                                          <p:stCondLst>
+                                            <p:cond delay="0"/>
+                                          </p:stCondLst>
+                                        </p:cTn>
+                                        <p:tgtEl>
+                                          <p:spTgt spid="3">
+                                            <p:txEl>
+                                              <p:pRg st="6" end="6"/>
+                                            </p:txEl>
+                                          </p:spTgt>
+                                        </p:tgtEl>
+                                        <p:attrNameLst>
+                                          <p:attrName>style.visibility</p:attrName>
+                                        </p:attrNameLst>
+                                      </p:cBhvr>
+                                      <p:to>
+                                        <p:strVal val="visible"/>
+                                      </p:to>
+                                    </p:set>
+                                  </p:childTnLst>
+                                </p:cTn>
+                              </p:par>
+                              <p:par>
+                                <p:cTn id="23" presetID="1" presetClass="entr" presetSubtype="0" fill="hold" grpId="0" nodeType="withEffect">
+                                  <p:stCondLst>
+                                    <p:cond delay="0"/>
+                                  </p:stCondLst>
+                                  <p:childTnLst>
+                                    <p:set>
+                                      <p:cBhvr>
+                                        <p:cTn id="24" dur="1" fill="hold">
+                                          <p:stCondLst>
+                                            <p:cond delay="0"/>
+                                          </p:stCondLst>
+                                        </p:cTn>
+                                        <p:tgtEl>
+                                          <p:spTgt spid="3">
+                                            <p:txEl>
+                                              <p:pRg st="7" end="7"/>
+                                            </p:txEl>
+                                          </p:spTgt>
+                                        </p:tgtEl>
+                                        <p:attrNameLst>
+                                          <p:attrName>style.visibility</p:attrName>
+                                        </p:attrNameLst>
+                                      </p:cBhvr>
+                                      <p:to>
+                                        <p:strVal val="visible"/>
+                                      </p:to>
+                                    </p:set>
+                                  </p:childTnLst>
+                                </p:cTn>
+                              </p:par>
+                              <p:par>
+                                <p:cTn id="25" presetID="1" presetClass="entr" presetSubtype="0" fill="hold" grpId="0" nodeType="withEffect">
+                                  <p:stCondLst>
+                                    <p:cond delay="0"/>
+                                  </p:stCondLst>
+                                  <p:childTnLst>
+                                    <p:set>
+                                      <p:cBhvr>
+                                        <p:cTn id="26" dur="1" fill="hold">
+                                          <p:stCondLst>
+                                            <p:cond delay="0"/>
+                                          </p:stCondLst>
+                                        </p:cTn>
+                                        <p:tgtEl>
+                                          <p:spTgt spid="3">
+                                            <p:txEl>
+                                              <p:pRg st="8" end="8"/>
+                                            </p:txEl>
+                                          </p:spTgt>
+                                        </p:tgtEl>
+                                        <p:attrNameLst>
+                                          <p:attrName>style.visibility</p:attrName>
+                                        </p:attrNameLst>
+                                      </p:cBhvr>
+                                      <p:to>
+                                        <p:strVal val="visible"/>
+                                      </p:to>
+                                    </p:set>
+                                  </p:childTnLst>
+                                </p:cTn>
+                              </p:par>
+                            </p:childTnLst>
+                          </p:cTn>
+                        </p:par>
+                      </p:childTnLst>
+                    </p:cTn>
+                  </p:par>
+                </p:childTnLst>
+              </p:cTn>
+              <p:prevCondLst>
+                <p:cond evt="onPrev" delay="0">
+                  <p:tgtEl>
+                    <p:sldTgt/>
+                  </p:tgtEl>
+                </p:cond>
+              </p:prevCondLst>
+              <p:nextCondLst>
+                <p:cond evt="onNext" delay="0">
+                  <p:tgtEl>
+                    <p:sldTgt/>
+                  </p:tgtEl>
+                </p:cond>
+              </p:nextCondLst>
+            </p:seq>
+          </p:childTnLst>
+        </p:cTn>
       </p:par>
     </p:tnLst>
+    <p:bldLst>
+      <p:bldP spid="3" grpId="0" build="p"/>
+    </p:bldLst>
   </p:timing>
 </p:sld>
 </file>
@@ -11835,10 +12722,10 @@
           <a:lstStyle/>
           <a:p>
             <a:r>
-              <a:rPr kumimoji="1" lang="zh-CN" altLang="en-US" dirty="0" smtClean="0"/>
+              <a:rPr kumimoji="1" lang="zh-CN" altLang="en-US" b="1" dirty="0" smtClean="0"/>
               <a:t>三、方案比较和选择</a:t>
             </a:r>
-            <a:endParaRPr kumimoji="1" lang="zh-CN" altLang="en-US" dirty="0"/>
+            <a:endParaRPr kumimoji="1" lang="zh-CN" altLang="en-US" b="1" dirty="0"/>
           </a:p>
         </p:txBody>
       </p:sp>
@@ -11858,45 +12745,85 @@
           <a:lstStyle/>
           <a:p>
             <a:r>
-              <a:rPr kumimoji="1" lang="zh-CN" altLang="en-US" dirty="0" smtClean="0"/>
+              <a:rPr kumimoji="1" lang="zh-CN" altLang="en-US" b="1" dirty="0" smtClean="0">
+                <a:solidFill>
+                  <a:schemeClr val="bg2"/>
+                </a:solidFill>
+              </a:rPr>
               <a:t>主控元件</a:t>
             </a:r>
-            <a:endParaRPr kumimoji="1" lang="en-US" altLang="zh-CN" dirty="0" smtClean="0"/>
-          </a:p>
-          <a:p>
-            <a:r>
-              <a:rPr kumimoji="1" lang="zh-CN" altLang="en-US" dirty="0" smtClean="0"/>
+            <a:endParaRPr kumimoji="1" lang="en-US" altLang="zh-CN" b="1" dirty="0" smtClean="0">
+              <a:solidFill>
+                <a:schemeClr val="bg2"/>
+              </a:solidFill>
+            </a:endParaRPr>
+          </a:p>
+          <a:p>
+            <a:r>
+              <a:rPr kumimoji="1" lang="zh-CN" altLang="en-US" b="1" dirty="0" smtClean="0">
+                <a:solidFill>
+                  <a:schemeClr val="bg2"/>
+                </a:solidFill>
+              </a:rPr>
               <a:t>通信机制</a:t>
             </a:r>
-            <a:endParaRPr kumimoji="1" lang="en-US" altLang="zh-CN" dirty="0" smtClean="0"/>
-          </a:p>
-          <a:p>
-            <a:r>
-              <a:rPr kumimoji="1" lang="zh-CN" altLang="en-US" dirty="0" smtClean="0"/>
+            <a:endParaRPr kumimoji="1" lang="en-US" altLang="zh-CN" b="1" dirty="0" smtClean="0">
+              <a:solidFill>
+                <a:schemeClr val="bg2"/>
+              </a:solidFill>
+            </a:endParaRPr>
+          </a:p>
+          <a:p>
+            <a:r>
+              <a:rPr kumimoji="1" lang="zh-CN" altLang="en-US" b="1" dirty="0" smtClean="0">
+                <a:solidFill>
+                  <a:schemeClr val="bg2"/>
+                </a:solidFill>
+              </a:rPr>
               <a:t>供电方式</a:t>
             </a:r>
-            <a:endParaRPr kumimoji="1" lang="en-US" altLang="zh-CN" dirty="0" smtClean="0"/>
-          </a:p>
-          <a:p>
-            <a:r>
-              <a:rPr kumimoji="1" lang="zh-CN" altLang="en-US" dirty="0" smtClean="0"/>
+            <a:endParaRPr kumimoji="1" lang="en-US" altLang="zh-CN" b="1" dirty="0" smtClean="0">
+              <a:solidFill>
+                <a:schemeClr val="bg2"/>
+              </a:solidFill>
+            </a:endParaRPr>
+          </a:p>
+          <a:p>
+            <a:r>
+              <a:rPr kumimoji="1" lang="zh-CN" altLang="en-US" b="1" dirty="0" smtClean="0">
+                <a:solidFill>
+                  <a:schemeClr val="bg2"/>
+                </a:solidFill>
+              </a:rPr>
               <a:t>摄像头数据传输技术</a:t>
             </a:r>
-            <a:endParaRPr kumimoji="1" lang="en-US" altLang="zh-CN" dirty="0" smtClean="0"/>
-          </a:p>
-          <a:p>
-            <a:r>
-              <a:rPr kumimoji="1" lang="zh-CN" altLang="en-US" dirty="0" smtClean="0"/>
+            <a:endParaRPr kumimoji="1" lang="en-US" altLang="zh-CN" b="1" dirty="0" smtClean="0">
+              <a:solidFill>
+                <a:schemeClr val="bg2"/>
+              </a:solidFill>
+            </a:endParaRPr>
+          </a:p>
+          <a:p>
+            <a:r>
+              <a:rPr kumimoji="1" lang="zh-CN" altLang="en-US" b="1" dirty="0" smtClean="0">
+                <a:solidFill>
+                  <a:schemeClr val="bg2"/>
+                </a:solidFill>
+              </a:rPr>
               <a:t>车辆位置信息处理方式</a:t>
             </a:r>
-            <a:endParaRPr kumimoji="1" lang="en-US" altLang="zh-CN" dirty="0" smtClean="0"/>
-          </a:p>
-          <a:p>
-            <a:r>
-              <a:rPr kumimoji="1" lang="zh-CN" altLang="en-US" smtClean="0"/>
+            <a:endParaRPr kumimoji="1" lang="en-US" altLang="zh-CN" b="1" dirty="0" smtClean="0">
+              <a:solidFill>
+                <a:schemeClr val="bg2"/>
+              </a:solidFill>
+            </a:endParaRPr>
+          </a:p>
+          <a:p>
+            <a:r>
+              <a:rPr kumimoji="1" lang="zh-CN" altLang="en-US" b="1" dirty="0" smtClean="0"/>
               <a:t>其他注意事项</a:t>
             </a:r>
-            <a:endParaRPr kumimoji="1" lang="zh-CN" altLang="en-US"/>
+            <a:endParaRPr kumimoji="1" lang="zh-CN" altLang="en-US" b="1" dirty="0"/>
           </a:p>
         </p:txBody>
       </p:sp>
@@ -11916,10 +12843,10 @@
           <a:lstStyle/>
           <a:p>
             <a:r>
-              <a:rPr kumimoji="1" lang="en-US" altLang="zh-CN" smtClean="0"/>
+              <a:rPr kumimoji="1" lang="en-US" altLang="zh-CN" b="1" smtClean="0"/>
               <a:t>2017/8/28</a:t>
             </a:r>
-            <a:endParaRPr kumimoji="1" lang="zh-CN" altLang="en-US"/>
+            <a:endParaRPr kumimoji="1" lang="zh-CN" altLang="en-US" b="1"/>
           </a:p>
         </p:txBody>
       </p:sp>
@@ -11939,10 +12866,10 @@
           <a:lstStyle/>
           <a:p>
             <a:fld id="{33EF475E-E69C-414B-8022-7688BE27D44A}" type="slidenum">
-              <a:rPr kumimoji="1" lang="zh-CN" altLang="en-US" smtClean="0"/>
+              <a:rPr kumimoji="1" lang="zh-CN" altLang="en-US" b="1" smtClean="0"/>
               <a:t>16</a:t>
             </a:fld>
-            <a:endParaRPr kumimoji="1" lang="zh-CN" altLang="en-US"/>
+            <a:endParaRPr kumimoji="1" lang="zh-CN" altLang="en-US" b="1"/>
           </a:p>
         </p:txBody>
       </p:sp>
@@ -11999,10 +12926,10 @@
           <a:lstStyle/>
           <a:p>
             <a:r>
-              <a:rPr kumimoji="1" lang="zh-CN" altLang="en-US" dirty="0" smtClean="0"/>
+              <a:rPr kumimoji="1" lang="zh-CN" altLang="en-US" b="1" dirty="0" smtClean="0"/>
               <a:t>其他注意事项</a:t>
             </a:r>
-            <a:endParaRPr kumimoji="1" lang="zh-CN" altLang="en-US" dirty="0"/>
+            <a:endParaRPr kumimoji="1" lang="zh-CN" altLang="en-US" b="1" dirty="0"/>
           </a:p>
         </p:txBody>
       </p:sp>
@@ -12022,80 +12949,80 @@
           <a:lstStyle/>
           <a:p>
             <a:r>
-              <a:rPr kumimoji="1" lang="zh-CN" altLang="en-US" dirty="0" smtClean="0"/>
+              <a:rPr kumimoji="1" lang="zh-CN" altLang="en-US" b="1" dirty="0" smtClean="0"/>
               <a:t>采用</a:t>
             </a:r>
             <a:r>
-              <a:rPr kumimoji="1" lang="en-US" altLang="zh-CN" dirty="0" smtClean="0"/>
+              <a:rPr kumimoji="1" lang="en-US" altLang="zh-CN" b="1" dirty="0" smtClean="0"/>
               <a:t>74HC244</a:t>
             </a:r>
             <a:r>
-              <a:rPr kumimoji="1" lang="zh-CN" altLang="en-US" dirty="0" smtClean="0"/>
+              <a:rPr kumimoji="1" lang="zh-CN" altLang="en-US" b="1" dirty="0" smtClean="0"/>
               <a:t>作为电源接口的辅助电路</a:t>
             </a:r>
-            <a:endParaRPr kumimoji="1" lang="en-US" altLang="zh-CN" dirty="0" smtClean="0"/>
-          </a:p>
-          <a:p>
-            <a:r>
-              <a:rPr kumimoji="1" lang="zh-CN" altLang="en-US" dirty="0" smtClean="0"/>
+            <a:endParaRPr kumimoji="1" lang="en-US" altLang="zh-CN" b="1" dirty="0" smtClean="0"/>
+          </a:p>
+          <a:p>
+            <a:r>
+              <a:rPr kumimoji="1" lang="zh-CN" altLang="en-US" b="1" dirty="0" smtClean="0"/>
               <a:t>摄像头模块采用</a:t>
             </a:r>
             <a:r>
-              <a:rPr kumimoji="1" lang="en-US" altLang="zh-CN" dirty="0" smtClean="0"/>
+              <a:rPr kumimoji="1" lang="en-US" altLang="zh-CN" b="1" dirty="0" smtClean="0"/>
               <a:t>SCCB</a:t>
             </a:r>
             <a:r>
-              <a:rPr kumimoji="1" lang="zh-CN" altLang="en-US" dirty="0" smtClean="0"/>
+              <a:rPr kumimoji="1" lang="zh-CN" altLang="en-US" b="1" dirty="0" smtClean="0"/>
               <a:t>通信协议，其中有两个</a:t>
             </a:r>
             <a:r>
-              <a:rPr kumimoji="1" lang="en-US" altLang="zh-CN" dirty="0" smtClean="0"/>
+              <a:rPr kumimoji="1" lang="en-US" altLang="zh-CN" b="1" dirty="0" smtClean="0"/>
               <a:t>OC</a:t>
             </a:r>
             <a:r>
-              <a:rPr kumimoji="1" lang="zh-CN" altLang="en-US" dirty="0" smtClean="0"/>
+              <a:rPr kumimoji="1" lang="zh-CN" altLang="en-US" b="1" dirty="0" smtClean="0"/>
               <a:t>门需要外接上拉电阻，需要在设计</a:t>
             </a:r>
             <a:r>
-              <a:rPr kumimoji="1" lang="en-US" altLang="zh-CN" dirty="0" smtClean="0"/>
+              <a:rPr kumimoji="1" lang="en-US" altLang="zh-CN" b="1" dirty="0" smtClean="0"/>
               <a:t>PCB</a:t>
             </a:r>
             <a:r>
-              <a:rPr kumimoji="1" lang="zh-CN" altLang="en-US" dirty="0" smtClean="0"/>
+              <a:rPr kumimoji="1" lang="zh-CN" altLang="en-US" b="1" dirty="0" smtClean="0"/>
               <a:t>时尽量考虑周全</a:t>
             </a:r>
-            <a:endParaRPr kumimoji="1" lang="en-US" altLang="zh-CN" dirty="0" smtClean="0"/>
-          </a:p>
-          <a:p>
-            <a:r>
-              <a:rPr kumimoji="1" lang="zh-CN" altLang="en-US" dirty="0" smtClean="0"/>
+            <a:endParaRPr kumimoji="1" lang="en-US" altLang="zh-CN" b="1" dirty="0" smtClean="0"/>
+          </a:p>
+          <a:p>
+            <a:r>
+              <a:rPr kumimoji="1" lang="zh-CN" altLang="en-US" b="1" dirty="0" smtClean="0"/>
               <a:t>获取小车位置信息时涉及浮点数，而</a:t>
             </a:r>
             <a:r>
-              <a:rPr kumimoji="1" lang="en-US" altLang="zh-CN" dirty="0" smtClean="0"/>
+              <a:rPr kumimoji="1" lang="en-US" altLang="zh-CN" b="1" dirty="0" smtClean="0"/>
               <a:t>FPGA</a:t>
             </a:r>
             <a:r>
-              <a:rPr kumimoji="1" lang="zh-CN" altLang="en-US" dirty="0" smtClean="0"/>
+              <a:rPr kumimoji="1" lang="zh-CN" altLang="en-US" b="1" dirty="0" smtClean="0"/>
               <a:t>处理浮点数较困难，选用</a:t>
             </a:r>
             <a:r>
-              <a:rPr kumimoji="1" lang="en-US" altLang="zh-CN" dirty="0" smtClean="0"/>
+              <a:rPr kumimoji="1" lang="en-US" altLang="zh-CN" b="1" dirty="0" smtClean="0"/>
               <a:t>NI</a:t>
             </a:r>
             <a:r>
-              <a:rPr kumimoji="1" lang="zh-CN" altLang="en-US" dirty="0" smtClean="0"/>
+              <a:rPr kumimoji="1" lang="zh-CN" altLang="en-US" b="1" dirty="0" smtClean="0"/>
               <a:t> </a:t>
             </a:r>
             <a:r>
-              <a:rPr kumimoji="1" lang="en-US" altLang="zh-CN" dirty="0" err="1" smtClean="0"/>
+              <a:rPr kumimoji="1" lang="en-US" altLang="zh-CN" b="1" dirty="0" err="1" smtClean="0"/>
               <a:t>myRIO</a:t>
             </a:r>
             <a:r>
-              <a:rPr kumimoji="1" lang="zh-CN" altLang="en-US" dirty="0" smtClean="0"/>
+              <a:rPr kumimoji="1" lang="zh-CN" altLang="en-US" b="1" dirty="0" smtClean="0"/>
               <a:t>进行开发</a:t>
             </a:r>
-            <a:endParaRPr kumimoji="1" lang="zh-CN" altLang="en-US" dirty="0"/>
+            <a:endParaRPr kumimoji="1" lang="zh-CN" altLang="en-US" b="1" dirty="0"/>
           </a:p>
         </p:txBody>
       </p:sp>
@@ -12115,10 +13042,10 @@
           <a:lstStyle/>
           <a:p>
             <a:r>
-              <a:rPr kumimoji="1" lang="en-US" altLang="zh-CN" smtClean="0"/>
+              <a:rPr kumimoji="1" lang="en-US" altLang="zh-CN" b="1" smtClean="0"/>
               <a:t>2017/8/28</a:t>
             </a:r>
-            <a:endParaRPr kumimoji="1" lang="zh-CN" altLang="en-US"/>
+            <a:endParaRPr kumimoji="1" lang="zh-CN" altLang="en-US" b="1"/>
           </a:p>
         </p:txBody>
       </p:sp>
@@ -12138,10 +13065,10 @@
           <a:lstStyle/>
           <a:p>
             <a:fld id="{33EF475E-E69C-414B-8022-7688BE27D44A}" type="slidenum">
-              <a:rPr kumimoji="1" lang="zh-CN" altLang="en-US" smtClean="0"/>
+              <a:rPr kumimoji="1" lang="zh-CN" altLang="en-US" b="1" smtClean="0"/>
               <a:t>17</a:t>
             </a:fld>
-            <a:endParaRPr kumimoji="1" lang="zh-CN" altLang="en-US"/>
+            <a:endParaRPr kumimoji="1" lang="zh-CN" altLang="en-US" b="1"/>
           </a:p>
         </p:txBody>
       </p:sp>
@@ -12198,10 +13125,10 @@
           <a:lstStyle/>
           <a:p>
             <a:r>
-              <a:rPr kumimoji="1" lang="zh-CN" altLang="en-US" dirty="0" smtClean="0"/>
+              <a:rPr kumimoji="1" lang="zh-CN" altLang="en-US" b="1" dirty="0" smtClean="0"/>
               <a:t>一、选题背景</a:t>
             </a:r>
-            <a:endParaRPr kumimoji="1" lang="zh-CN" altLang="en-US" dirty="0"/>
+            <a:endParaRPr kumimoji="1" lang="zh-CN" altLang="en-US" b="1" dirty="0"/>
           </a:p>
         </p:txBody>
       </p:sp>
@@ -12221,54 +13148,54 @@
           <a:lstStyle/>
           <a:p>
             <a:r>
-              <a:rPr kumimoji="1" lang="zh-CN" altLang="en-US" dirty="0" smtClean="0"/>
+              <a:rPr kumimoji="1" lang="zh-CN" altLang="en-US" b="1" dirty="0" smtClean="0"/>
               <a:t>受控无人车已有许多现实应用</a:t>
             </a:r>
-            <a:endParaRPr kumimoji="1" lang="en-US" altLang="zh-CN" dirty="0" smtClean="0"/>
+            <a:endParaRPr kumimoji="1" lang="en-US" altLang="zh-CN" b="1" dirty="0" smtClean="0"/>
           </a:p>
           <a:p>
             <a:pPr lvl="1"/>
             <a:r>
-              <a:rPr kumimoji="1" lang="zh-CN" altLang="en-US" dirty="0" smtClean="0"/>
+              <a:rPr kumimoji="1" lang="zh-CN" altLang="en-US" b="1" dirty="0" smtClean="0"/>
               <a:t>要求控制者看到无人车运动状态</a:t>
             </a:r>
-            <a:endParaRPr kumimoji="1" lang="en-US" altLang="zh-CN" dirty="0" smtClean="0"/>
-          </a:p>
-          <a:p>
-            <a:r>
-              <a:rPr kumimoji="1" lang="zh-CN" altLang="en-US" dirty="0" smtClean="0"/>
+            <a:endParaRPr kumimoji="1" lang="en-US" altLang="zh-CN" b="1" dirty="0" smtClean="0"/>
+          </a:p>
+          <a:p>
+            <a:r>
+              <a:rPr kumimoji="1" lang="zh-CN" altLang="en-US" b="1" dirty="0" smtClean="0"/>
               <a:t>采集环境数据，方便人员控制</a:t>
             </a:r>
-            <a:endParaRPr kumimoji="1" lang="en-US" altLang="zh-CN" dirty="0" smtClean="0"/>
-          </a:p>
-          <a:p>
-            <a:r>
-              <a:rPr kumimoji="1" lang="zh-CN" altLang="en-US" dirty="0" smtClean="0"/>
+            <a:endParaRPr kumimoji="1" lang="en-US" altLang="zh-CN" b="1" dirty="0" smtClean="0"/>
+          </a:p>
+          <a:p>
+            <a:r>
+              <a:rPr kumimoji="1" lang="zh-CN" altLang="en-US" b="1" dirty="0" smtClean="0"/>
               <a:t>可到危险场合作业和采集信息</a:t>
             </a:r>
-            <a:endParaRPr kumimoji="1" lang="en-US" altLang="zh-CN" dirty="0" smtClean="0"/>
+            <a:endParaRPr kumimoji="1" lang="en-US" altLang="zh-CN" b="1" dirty="0" smtClean="0"/>
           </a:p>
           <a:p>
             <a:pPr lvl="1"/>
             <a:r>
-              <a:rPr kumimoji="1" lang="zh-CN" altLang="en-US" dirty="0" smtClean="0"/>
+              <a:rPr kumimoji="1" lang="zh-CN" altLang="en-US" b="1" dirty="0" smtClean="0"/>
               <a:t>日本蝎形机器人探查福岛废弃核反应堆</a:t>
             </a:r>
-            <a:endParaRPr kumimoji="1" lang="en-US" altLang="zh-CN" dirty="0" smtClean="0"/>
-          </a:p>
-          <a:p>
-            <a:r>
-              <a:rPr kumimoji="1" lang="zh-CN" altLang="en-US" dirty="0" smtClean="0"/>
+            <a:endParaRPr kumimoji="1" lang="en-US" altLang="zh-CN" b="1" dirty="0" smtClean="0"/>
+          </a:p>
+          <a:p>
+            <a:r>
+              <a:rPr kumimoji="1" lang="zh-CN" altLang="en-US" b="1" dirty="0" smtClean="0"/>
               <a:t>三维检测和建模技术方兴未艾</a:t>
             </a:r>
-            <a:endParaRPr kumimoji="1" lang="en-US" altLang="zh-CN" dirty="0" smtClean="0"/>
-          </a:p>
-          <a:p>
-            <a:r>
-              <a:rPr kumimoji="1" lang="zh-CN" altLang="en-US" dirty="0" smtClean="0"/>
+            <a:endParaRPr kumimoji="1" lang="en-US" altLang="zh-CN" b="1" dirty="0" smtClean="0"/>
+          </a:p>
+          <a:p>
+            <a:r>
+              <a:rPr kumimoji="1" lang="zh-CN" altLang="en-US" b="1" dirty="0" smtClean="0"/>
               <a:t>获取小车位置，提高建模精度</a:t>
             </a:r>
-            <a:endParaRPr kumimoji="1" lang="zh-CN" altLang="en-US" dirty="0"/>
+            <a:endParaRPr kumimoji="1" lang="zh-CN" altLang="en-US" b="1" dirty="0"/>
           </a:p>
         </p:txBody>
       </p:sp>
@@ -12314,10 +13241,10 @@
           <a:lstStyle/>
           <a:p>
             <a:r>
-              <a:rPr kumimoji="1" lang="en-US" altLang="zh-CN" smtClean="0"/>
+              <a:rPr kumimoji="1" lang="en-US" altLang="zh-CN" b="1" smtClean="0"/>
               <a:t>2017/8/28</a:t>
             </a:r>
-            <a:endParaRPr kumimoji="1" lang="zh-CN" altLang="en-US"/>
+            <a:endParaRPr kumimoji="1" lang="zh-CN" altLang="en-US" b="1"/>
           </a:p>
         </p:txBody>
       </p:sp>
@@ -12337,10 +13264,10 @@
           <a:lstStyle/>
           <a:p>
             <a:fld id="{33EF475E-E69C-414B-8022-7688BE27D44A}" type="slidenum">
-              <a:rPr kumimoji="1" lang="zh-CN" altLang="en-US" smtClean="0"/>
+              <a:rPr kumimoji="1" lang="zh-CN" altLang="en-US" b="1" smtClean="0"/>
               <a:t>2</a:t>
             </a:fld>
-            <a:endParaRPr kumimoji="1" lang="zh-CN" altLang="en-US"/>
+            <a:endParaRPr kumimoji="1" lang="zh-CN" altLang="en-US" b="1"/>
           </a:p>
         </p:txBody>
       </p:sp>
@@ -12928,10 +13855,10 @@
           <a:lstStyle/>
           <a:p>
             <a:r>
-              <a:rPr kumimoji="1" lang="zh-CN" altLang="en-US" dirty="0" smtClean="0"/>
+              <a:rPr kumimoji="1" lang="zh-CN" altLang="en-US" b="1" dirty="0" smtClean="0"/>
               <a:t>二、预期完成内容</a:t>
             </a:r>
-            <a:endParaRPr kumimoji="1" lang="zh-CN" altLang="en-US" dirty="0"/>
+            <a:endParaRPr kumimoji="1" lang="zh-CN" altLang="en-US" b="1" dirty="0"/>
           </a:p>
         </p:txBody>
       </p:sp>
@@ -12950,35 +13877,52 @@
           <a:bodyPr/>
           <a:lstStyle/>
           <a:p>
-            <a:r>
-              <a:rPr kumimoji="1" lang="zh-CN" altLang="en-US" dirty="0" smtClean="0"/>
+            <a:pPr>
+              <a:lnSpc>
+                <a:spcPct val="200000"/>
+              </a:lnSpc>
+            </a:pPr>
+            <a:r>
+              <a:rPr kumimoji="1" lang="zh-CN" altLang="en-US" b="1" dirty="0" smtClean="0"/>
               <a:t>第一部分</a:t>
             </a:r>
-            <a:endParaRPr kumimoji="1" lang="en-US" altLang="zh-CN" dirty="0" smtClean="0"/>
-          </a:p>
-          <a:p>
-            <a:pPr lvl="1"/>
-            <a:r>
-              <a:rPr kumimoji="1" lang="zh-CN" altLang="en-US" dirty="0" smtClean="0"/>
+            <a:endParaRPr kumimoji="1" lang="en-US" altLang="zh-CN" b="1" dirty="0" smtClean="0"/>
+          </a:p>
+          <a:p>
+            <a:pPr lvl="1">
+              <a:lnSpc>
+                <a:spcPct val="200000"/>
+              </a:lnSpc>
+            </a:pPr>
+            <a:r>
+              <a:rPr kumimoji="1" lang="zh-CN" altLang="en-US" b="1" dirty="0" smtClean="0"/>
               <a:t>电源管理，小车运动控制</a:t>
             </a:r>
-            <a:endParaRPr kumimoji="1" lang="en-US" altLang="zh-CN" dirty="0" smtClean="0"/>
-          </a:p>
-          <a:p>
-            <a:pPr lvl="1"/>
-            <a:r>
-              <a:rPr kumimoji="1" lang="zh-CN" altLang="en-US" dirty="0" smtClean="0"/>
+            <a:endParaRPr kumimoji="1" lang="en-US" altLang="zh-CN" b="1" dirty="0" smtClean="0"/>
+          </a:p>
+          <a:p>
+            <a:pPr lvl="1">
+              <a:lnSpc>
+                <a:spcPct val="200000"/>
+              </a:lnSpc>
+            </a:pPr>
+            <a:r>
+              <a:rPr kumimoji="1" lang="zh-CN" altLang="en-US" b="1" dirty="0" smtClean="0"/>
               <a:t>上位机控制小车完成相关运动</a:t>
             </a:r>
-            <a:endParaRPr kumimoji="1" lang="en-US" altLang="zh-CN" dirty="0" smtClean="0"/>
-          </a:p>
-          <a:p>
-            <a:pPr lvl="1"/>
-            <a:r>
-              <a:rPr kumimoji="1" lang="zh-CN" altLang="en-US" dirty="0" smtClean="0"/>
+            <a:endParaRPr kumimoji="1" lang="en-US" altLang="zh-CN" b="1" dirty="0" smtClean="0"/>
+          </a:p>
+          <a:p>
+            <a:pPr lvl="1">
+              <a:lnSpc>
+                <a:spcPct val="200000"/>
+              </a:lnSpc>
+            </a:pPr>
+            <a:r>
+              <a:rPr kumimoji="1" lang="zh-CN" altLang="en-US" b="1" dirty="0" smtClean="0"/>
               <a:t>小车安装摄像头，将图像回传上位机</a:t>
             </a:r>
-            <a:endParaRPr kumimoji="1" lang="zh-CN" altLang="en-US" dirty="0"/>
+            <a:endParaRPr kumimoji="1" lang="zh-CN" altLang="en-US" b="1" dirty="0"/>
           </a:p>
         </p:txBody>
       </p:sp>
@@ -12998,10 +13942,10 @@
           <a:lstStyle/>
           <a:p>
             <a:r>
-              <a:rPr kumimoji="1" lang="en-US" altLang="zh-CN" smtClean="0"/>
+              <a:rPr kumimoji="1" lang="en-US" altLang="zh-CN" b="1" smtClean="0"/>
               <a:t>2017/8/28</a:t>
             </a:r>
-            <a:endParaRPr kumimoji="1" lang="zh-CN" altLang="en-US"/>
+            <a:endParaRPr kumimoji="1" lang="zh-CN" altLang="en-US" b="1"/>
           </a:p>
         </p:txBody>
       </p:sp>
@@ -13021,10 +13965,10 @@
           <a:lstStyle/>
           <a:p>
             <a:fld id="{33EF475E-E69C-414B-8022-7688BE27D44A}" type="slidenum">
-              <a:rPr kumimoji="1" lang="zh-CN" altLang="en-US" smtClean="0"/>
+              <a:rPr kumimoji="1" lang="zh-CN" altLang="en-US" b="1" smtClean="0"/>
               <a:t>3</a:t>
             </a:fld>
-            <a:endParaRPr kumimoji="1" lang="zh-CN" altLang="en-US"/>
+            <a:endParaRPr kumimoji="1" lang="zh-CN" altLang="en-US" b="1"/>
           </a:p>
         </p:txBody>
       </p:sp>
@@ -13081,10 +14025,10 @@
           <a:lstStyle/>
           <a:p>
             <a:r>
-              <a:rPr kumimoji="1" lang="zh-CN" altLang="en-US" dirty="0" smtClean="0"/>
+              <a:rPr kumimoji="1" lang="zh-CN" altLang="en-US" b="1" dirty="0" smtClean="0"/>
               <a:t>二、预期完成内容</a:t>
             </a:r>
-            <a:endParaRPr kumimoji="1" lang="zh-CN" altLang="en-US" dirty="0"/>
+            <a:endParaRPr kumimoji="1" lang="zh-CN" altLang="en-US" b="1" dirty="0"/>
           </a:p>
         </p:txBody>
       </p:sp>
@@ -13103,35 +14047,52 @@
           <a:bodyPr/>
           <a:lstStyle/>
           <a:p>
-            <a:r>
-              <a:rPr kumimoji="1" lang="zh-CN" altLang="en-US" dirty="0" smtClean="0"/>
+            <a:pPr>
+              <a:lnSpc>
+                <a:spcPct val="200000"/>
+              </a:lnSpc>
+            </a:pPr>
+            <a:r>
+              <a:rPr kumimoji="1" lang="zh-CN" altLang="en-US" b="1" dirty="0" smtClean="0"/>
               <a:t>第二部分</a:t>
             </a:r>
-            <a:endParaRPr kumimoji="1" lang="en-US" altLang="zh-CN" dirty="0" smtClean="0"/>
-          </a:p>
-          <a:p>
-            <a:pPr lvl="1"/>
-            <a:r>
-              <a:rPr kumimoji="1" lang="zh-CN" altLang="en-US" dirty="0" smtClean="0"/>
+            <a:endParaRPr kumimoji="1" lang="en-US" altLang="zh-CN" b="1" dirty="0" smtClean="0"/>
+          </a:p>
+          <a:p>
+            <a:pPr lvl="1">
+              <a:lnSpc>
+                <a:spcPct val="200000"/>
+              </a:lnSpc>
+            </a:pPr>
+            <a:r>
+              <a:rPr kumimoji="1" lang="zh-CN" altLang="en-US" b="1" dirty="0" smtClean="0"/>
               <a:t>图像实时回传</a:t>
             </a:r>
-            <a:endParaRPr kumimoji="1" lang="en-US" altLang="zh-CN" dirty="0" smtClean="0"/>
-          </a:p>
-          <a:p>
-            <a:pPr lvl="1"/>
-            <a:r>
-              <a:rPr kumimoji="1" lang="zh-CN" altLang="en-US" dirty="0" smtClean="0"/>
+            <a:endParaRPr kumimoji="1" lang="en-US" altLang="zh-CN" b="1" dirty="0" smtClean="0"/>
+          </a:p>
+          <a:p>
+            <a:pPr lvl="1">
+              <a:lnSpc>
+                <a:spcPct val="200000"/>
+              </a:lnSpc>
+            </a:pPr>
+            <a:r>
+              <a:rPr kumimoji="1" lang="zh-CN" altLang="en-US" b="1" dirty="0" smtClean="0"/>
               <a:t>小车完成相对位置信息的记录和回传</a:t>
             </a:r>
-            <a:endParaRPr kumimoji="1" lang="en-US" altLang="zh-CN" dirty="0" smtClean="0"/>
-          </a:p>
-          <a:p>
-            <a:pPr lvl="1"/>
-            <a:r>
-              <a:rPr kumimoji="1" lang="zh-CN" altLang="en-US" dirty="0" smtClean="0"/>
+            <a:endParaRPr kumimoji="1" lang="en-US" altLang="zh-CN" b="1" dirty="0" smtClean="0"/>
+          </a:p>
+          <a:p>
+            <a:pPr lvl="1">
+              <a:lnSpc>
+                <a:spcPct val="200000"/>
+              </a:lnSpc>
+            </a:pPr>
+            <a:r>
+              <a:rPr kumimoji="1" lang="zh-CN" altLang="en-US" b="1" dirty="0" smtClean="0"/>
               <a:t>利用位置信息进行二维地图的展示工作</a:t>
             </a:r>
-            <a:endParaRPr kumimoji="1" lang="zh-CN" altLang="en-US" dirty="0"/>
+            <a:endParaRPr kumimoji="1" lang="zh-CN" altLang="en-US" b="1" dirty="0"/>
           </a:p>
         </p:txBody>
       </p:sp>
@@ -13151,10 +14112,10 @@
           <a:lstStyle/>
           <a:p>
             <a:r>
-              <a:rPr kumimoji="1" lang="en-US" altLang="zh-CN" smtClean="0"/>
+              <a:rPr kumimoji="1" lang="en-US" altLang="zh-CN" b="1" smtClean="0"/>
               <a:t>2017/8/28</a:t>
             </a:r>
-            <a:endParaRPr kumimoji="1" lang="zh-CN" altLang="en-US"/>
+            <a:endParaRPr kumimoji="1" lang="zh-CN" altLang="en-US" b="1"/>
           </a:p>
         </p:txBody>
       </p:sp>
@@ -13174,10 +14135,10 @@
           <a:lstStyle/>
           <a:p>
             <a:fld id="{33EF475E-E69C-414B-8022-7688BE27D44A}" type="slidenum">
-              <a:rPr kumimoji="1" lang="zh-CN" altLang="en-US" smtClean="0"/>
+              <a:rPr kumimoji="1" lang="zh-CN" altLang="en-US" b="1" smtClean="0"/>
               <a:t>4</a:t>
             </a:fld>
-            <a:endParaRPr kumimoji="1" lang="zh-CN" altLang="en-US"/>
+            <a:endParaRPr kumimoji="1" lang="zh-CN" altLang="en-US" b="1"/>
           </a:p>
         </p:txBody>
       </p:sp>
@@ -13234,10 +14195,10 @@
           <a:lstStyle/>
           <a:p>
             <a:r>
-              <a:rPr kumimoji="1" lang="zh-CN" altLang="en-US" dirty="0" smtClean="0"/>
+              <a:rPr kumimoji="1" lang="zh-CN" altLang="en-US" b="1" dirty="0" smtClean="0"/>
               <a:t>二、预期完成内容</a:t>
             </a:r>
-            <a:endParaRPr kumimoji="1" lang="zh-CN" altLang="en-US" dirty="0"/>
+            <a:endParaRPr kumimoji="1" lang="zh-CN" altLang="en-US" b="1" dirty="0"/>
           </a:p>
         </p:txBody>
       </p:sp>
@@ -13256,35 +14217,52 @@
           <a:bodyPr/>
           <a:lstStyle/>
           <a:p>
-            <a:r>
-              <a:rPr kumimoji="1" lang="zh-CN" altLang="en-US" dirty="0" smtClean="0"/>
+            <a:pPr>
+              <a:lnSpc>
+                <a:spcPct val="200000"/>
+              </a:lnSpc>
+            </a:pPr>
+            <a:r>
+              <a:rPr kumimoji="1" lang="zh-CN" altLang="en-US" b="1" dirty="0" smtClean="0"/>
               <a:t>第三部分</a:t>
             </a:r>
-            <a:endParaRPr kumimoji="1" lang="en-US" altLang="zh-CN" dirty="0" smtClean="0"/>
-          </a:p>
-          <a:p>
-            <a:pPr lvl="1"/>
-            <a:r>
-              <a:rPr kumimoji="1" lang="zh-CN" altLang="en-US" dirty="0" smtClean="0"/>
+            <a:endParaRPr kumimoji="1" lang="en-US" altLang="zh-CN" b="1" dirty="0" smtClean="0"/>
+          </a:p>
+          <a:p>
+            <a:pPr lvl="1">
+              <a:lnSpc>
+                <a:spcPct val="200000"/>
+              </a:lnSpc>
+            </a:pPr>
+            <a:r>
+              <a:rPr kumimoji="1" lang="zh-CN" altLang="en-US" b="1" dirty="0" smtClean="0"/>
               <a:t>将上位机应用部署到移动平台</a:t>
             </a:r>
-            <a:endParaRPr kumimoji="1" lang="en-US" altLang="zh-CN" dirty="0" smtClean="0"/>
-          </a:p>
-          <a:p>
-            <a:pPr lvl="1"/>
-            <a:r>
-              <a:rPr kumimoji="1" lang="zh-CN" altLang="en-US" dirty="0" smtClean="0"/>
+            <a:endParaRPr kumimoji="1" lang="en-US" altLang="zh-CN" b="1" dirty="0" smtClean="0"/>
+          </a:p>
+          <a:p>
+            <a:pPr lvl="1">
+              <a:lnSpc>
+                <a:spcPct val="200000"/>
+              </a:lnSpc>
+            </a:pPr>
+            <a:r>
+              <a:rPr kumimoji="1" lang="zh-CN" altLang="en-US" b="1" dirty="0" smtClean="0"/>
               <a:t>小车安装避障系统，并可以自动运行</a:t>
             </a:r>
-            <a:endParaRPr kumimoji="1" lang="en-US" altLang="zh-CN" dirty="0" smtClean="0"/>
-          </a:p>
-          <a:p>
-            <a:pPr lvl="1"/>
-            <a:r>
-              <a:rPr kumimoji="1" lang="zh-CN" altLang="en-US" dirty="0" smtClean="0"/>
+            <a:endParaRPr kumimoji="1" lang="en-US" altLang="zh-CN" b="1" dirty="0" smtClean="0"/>
+          </a:p>
+          <a:p>
+            <a:pPr lvl="1">
+              <a:lnSpc>
+                <a:spcPct val="200000"/>
+              </a:lnSpc>
+            </a:pPr>
+            <a:r>
+              <a:rPr kumimoji="1" lang="zh-CN" altLang="en-US" b="1" dirty="0" smtClean="0"/>
               <a:t>利用位置信息进行三维重建</a:t>
             </a:r>
-            <a:endParaRPr kumimoji="1" lang="zh-CN" altLang="en-US" dirty="0"/>
+            <a:endParaRPr kumimoji="1" lang="zh-CN" altLang="en-US" b="1" dirty="0"/>
           </a:p>
         </p:txBody>
       </p:sp>
@@ -13304,10 +14282,10 @@
           <a:lstStyle/>
           <a:p>
             <a:r>
-              <a:rPr kumimoji="1" lang="en-US" altLang="zh-CN" smtClean="0"/>
+              <a:rPr kumimoji="1" lang="en-US" altLang="zh-CN" b="1" smtClean="0"/>
               <a:t>2017/8/28</a:t>
             </a:r>
-            <a:endParaRPr kumimoji="1" lang="zh-CN" altLang="en-US"/>
+            <a:endParaRPr kumimoji="1" lang="zh-CN" altLang="en-US" b="1"/>
           </a:p>
         </p:txBody>
       </p:sp>
@@ -13327,10 +14305,10 @@
           <a:lstStyle/>
           <a:p>
             <a:fld id="{33EF475E-E69C-414B-8022-7688BE27D44A}" type="slidenum">
-              <a:rPr kumimoji="1" lang="zh-CN" altLang="en-US" smtClean="0"/>
+              <a:rPr kumimoji="1" lang="zh-CN" altLang="en-US" b="1" smtClean="0"/>
               <a:t>5</a:t>
             </a:fld>
-            <a:endParaRPr kumimoji="1" lang="zh-CN" altLang="en-US"/>
+            <a:endParaRPr kumimoji="1" lang="zh-CN" altLang="en-US" b="1"/>
           </a:p>
         </p:txBody>
       </p:sp>
@@ -13387,10 +14365,10 @@
           <a:lstStyle/>
           <a:p>
             <a:r>
-              <a:rPr kumimoji="1" lang="zh-CN" altLang="en-US" dirty="0" smtClean="0"/>
+              <a:rPr kumimoji="1" lang="zh-CN" altLang="en-US" b="1" dirty="0" smtClean="0"/>
               <a:t>三、方案比较和选择</a:t>
             </a:r>
-            <a:endParaRPr kumimoji="1" lang="zh-CN" altLang="en-US" dirty="0"/>
+            <a:endParaRPr kumimoji="1" lang="zh-CN" altLang="en-US" b="1" dirty="0"/>
           </a:p>
         </p:txBody>
       </p:sp>
@@ -13410,45 +14388,85 @@
           <a:lstStyle/>
           <a:p>
             <a:r>
-              <a:rPr kumimoji="1" lang="zh-CN" altLang="en-US" dirty="0" smtClean="0"/>
+              <a:rPr kumimoji="1" lang="zh-CN" altLang="en-US" b="1" dirty="0" smtClean="0"/>
               <a:t>主控元件</a:t>
             </a:r>
-            <a:endParaRPr kumimoji="1" lang="en-US" altLang="zh-CN" dirty="0" smtClean="0"/>
-          </a:p>
-          <a:p>
-            <a:r>
-              <a:rPr kumimoji="1" lang="zh-CN" altLang="en-US" dirty="0" smtClean="0"/>
+            <a:endParaRPr kumimoji="1" lang="en-US" altLang="zh-CN" b="1" dirty="0" smtClean="0"/>
+          </a:p>
+          <a:p>
+            <a:r>
+              <a:rPr kumimoji="1" lang="zh-CN" altLang="en-US" b="1" dirty="0" smtClean="0">
+                <a:solidFill>
+                  <a:schemeClr val="bg2"/>
+                </a:solidFill>
+              </a:rPr>
               <a:t>通信机制</a:t>
             </a:r>
-            <a:endParaRPr kumimoji="1" lang="en-US" altLang="zh-CN" dirty="0" smtClean="0"/>
-          </a:p>
-          <a:p>
-            <a:r>
-              <a:rPr kumimoji="1" lang="zh-CN" altLang="en-US" dirty="0" smtClean="0"/>
+            <a:endParaRPr kumimoji="1" lang="en-US" altLang="zh-CN" b="1" dirty="0" smtClean="0">
+              <a:solidFill>
+                <a:schemeClr val="bg2"/>
+              </a:solidFill>
+            </a:endParaRPr>
+          </a:p>
+          <a:p>
+            <a:r>
+              <a:rPr kumimoji="1" lang="zh-CN" altLang="en-US" b="1" dirty="0" smtClean="0">
+                <a:solidFill>
+                  <a:schemeClr val="bg2"/>
+                </a:solidFill>
+              </a:rPr>
               <a:t>供电方式</a:t>
             </a:r>
-            <a:endParaRPr kumimoji="1" lang="en-US" altLang="zh-CN" dirty="0" smtClean="0"/>
-          </a:p>
-          <a:p>
-            <a:r>
-              <a:rPr kumimoji="1" lang="zh-CN" altLang="en-US" dirty="0" smtClean="0"/>
+            <a:endParaRPr kumimoji="1" lang="en-US" altLang="zh-CN" b="1" dirty="0" smtClean="0">
+              <a:solidFill>
+                <a:schemeClr val="bg2"/>
+              </a:solidFill>
+            </a:endParaRPr>
+          </a:p>
+          <a:p>
+            <a:r>
+              <a:rPr kumimoji="1" lang="zh-CN" altLang="en-US" b="1" dirty="0" smtClean="0">
+                <a:solidFill>
+                  <a:schemeClr val="bg2"/>
+                </a:solidFill>
+              </a:rPr>
               <a:t>摄像头数据传输技术</a:t>
             </a:r>
-            <a:endParaRPr kumimoji="1" lang="en-US" altLang="zh-CN" dirty="0" smtClean="0"/>
-          </a:p>
-          <a:p>
-            <a:r>
-              <a:rPr kumimoji="1" lang="zh-CN" altLang="en-US" dirty="0" smtClean="0"/>
+            <a:endParaRPr kumimoji="1" lang="en-US" altLang="zh-CN" b="1" dirty="0" smtClean="0">
+              <a:solidFill>
+                <a:schemeClr val="bg2"/>
+              </a:solidFill>
+            </a:endParaRPr>
+          </a:p>
+          <a:p>
+            <a:r>
+              <a:rPr kumimoji="1" lang="zh-CN" altLang="en-US" b="1" dirty="0" smtClean="0">
+                <a:solidFill>
+                  <a:schemeClr val="bg2"/>
+                </a:solidFill>
+              </a:rPr>
               <a:t>车辆位置信息处理方式</a:t>
             </a:r>
-            <a:endParaRPr kumimoji="1" lang="en-US" altLang="zh-CN" dirty="0" smtClean="0"/>
-          </a:p>
-          <a:p>
-            <a:r>
-              <a:rPr kumimoji="1" lang="zh-CN" altLang="en-US" dirty="0" smtClean="0"/>
+            <a:endParaRPr kumimoji="1" lang="en-US" altLang="zh-CN" b="1" dirty="0" smtClean="0">
+              <a:solidFill>
+                <a:schemeClr val="bg2"/>
+              </a:solidFill>
+            </a:endParaRPr>
+          </a:p>
+          <a:p>
+            <a:r>
+              <a:rPr kumimoji="1" lang="zh-CN" altLang="en-US" b="1" dirty="0" smtClean="0">
+                <a:solidFill>
+                  <a:schemeClr val="bg2"/>
+                </a:solidFill>
+              </a:rPr>
               <a:t>其他注意事项</a:t>
             </a:r>
-            <a:endParaRPr kumimoji="1" lang="zh-CN" altLang="en-US" dirty="0"/>
+            <a:endParaRPr kumimoji="1" lang="zh-CN" altLang="en-US" b="1" dirty="0">
+              <a:solidFill>
+                <a:schemeClr val="bg2"/>
+              </a:solidFill>
+            </a:endParaRPr>
           </a:p>
         </p:txBody>
       </p:sp>
@@ -13468,10 +14486,10 @@
           <a:lstStyle/>
           <a:p>
             <a:r>
-              <a:rPr kumimoji="1" lang="en-US" altLang="zh-CN" smtClean="0"/>
+              <a:rPr kumimoji="1" lang="en-US" altLang="zh-CN" b="1" smtClean="0"/>
               <a:t>2017/8/28</a:t>
             </a:r>
-            <a:endParaRPr kumimoji="1" lang="zh-CN" altLang="en-US"/>
+            <a:endParaRPr kumimoji="1" lang="zh-CN" altLang="en-US" b="1"/>
           </a:p>
         </p:txBody>
       </p:sp>
@@ -13491,10 +14509,10 @@
           <a:lstStyle/>
           <a:p>
             <a:fld id="{33EF475E-E69C-414B-8022-7688BE27D44A}" type="slidenum">
-              <a:rPr kumimoji="1" lang="zh-CN" altLang="en-US" smtClean="0"/>
+              <a:rPr kumimoji="1" lang="zh-CN" altLang="en-US" b="1" smtClean="0"/>
               <a:t>6</a:t>
             </a:fld>
-            <a:endParaRPr kumimoji="1" lang="zh-CN" altLang="en-US"/>
+            <a:endParaRPr kumimoji="1" lang="zh-CN" altLang="en-US" b="1"/>
           </a:p>
         </p:txBody>
       </p:sp>
@@ -13551,10 +14569,10 @@
           <a:lstStyle/>
           <a:p>
             <a:r>
-              <a:rPr kumimoji="1" lang="zh-CN" altLang="en-US" dirty="0" smtClean="0"/>
+              <a:rPr kumimoji="1" lang="zh-CN" altLang="en-US" b="1" dirty="0" smtClean="0"/>
               <a:t>主控元件</a:t>
             </a:r>
-            <a:endParaRPr kumimoji="1" lang="zh-CN" altLang="en-US" dirty="0"/>
+            <a:endParaRPr kumimoji="1" lang="zh-CN" altLang="en-US" b="1" dirty="0"/>
           </a:p>
         </p:txBody>
       </p:sp>
@@ -13597,35 +14615,35 @@
           <a:lstStyle/>
           <a:p>
             <a:r>
-              <a:rPr kumimoji="1" lang="zh-CN" altLang="en-US" dirty="0" smtClean="0"/>
+              <a:rPr kumimoji="1" lang="zh-CN" altLang="en-US" b="1" dirty="0" smtClean="0"/>
               <a:t>系统库封装好，开发相对简单</a:t>
             </a:r>
-            <a:endParaRPr kumimoji="1" lang="en-US" altLang="zh-CN" dirty="0" smtClean="0"/>
-          </a:p>
-          <a:p>
-            <a:r>
-              <a:rPr kumimoji="1" lang="zh-CN" altLang="en-US" dirty="0" smtClean="0"/>
+            <a:endParaRPr kumimoji="1" lang="en-US" altLang="zh-CN" b="1" dirty="0" smtClean="0"/>
+          </a:p>
+          <a:p>
+            <a:r>
+              <a:rPr kumimoji="1" lang="zh-CN" altLang="en-US" b="1" dirty="0" smtClean="0"/>
               <a:t>时钟</a:t>
             </a:r>
             <a:r>
-              <a:rPr kumimoji="1" lang="en-US" altLang="zh-CN" dirty="0" smtClean="0"/>
+              <a:rPr kumimoji="1" lang="en-US" altLang="zh-CN" b="1" dirty="0" smtClean="0"/>
               <a:t>72MHz</a:t>
             </a:r>
           </a:p>
           <a:p>
             <a:r>
-              <a:rPr kumimoji="1" lang="zh-CN" altLang="en-US" dirty="0" smtClean="0"/>
+              <a:rPr kumimoji="1" lang="zh-CN" altLang="en-US" b="1" dirty="0" smtClean="0"/>
               <a:t>串行执行，</a:t>
             </a:r>
             <a:r>
-              <a:rPr kumimoji="1" lang="en-US" altLang="zh-CN" dirty="0" smtClean="0"/>
+              <a:rPr kumimoji="1" lang="en-US" altLang="zh-CN" b="1" dirty="0" smtClean="0"/>
               <a:t>IO</a:t>
             </a:r>
             <a:r>
-              <a:rPr kumimoji="1" lang="zh-CN" altLang="en-US" dirty="0" smtClean="0"/>
+              <a:rPr kumimoji="1" lang="zh-CN" altLang="en-US" b="1" dirty="0" smtClean="0"/>
               <a:t>速度低</a:t>
             </a:r>
-            <a:endParaRPr kumimoji="1" lang="zh-CN" altLang="en-US" dirty="0"/>
+            <a:endParaRPr kumimoji="1" lang="zh-CN" altLang="en-US" b="1" dirty="0"/>
           </a:p>
         </p:txBody>
       </p:sp>
@@ -13668,35 +14686,35 @@
           <a:lstStyle/>
           <a:p>
             <a:r>
-              <a:rPr kumimoji="1" lang="zh-CN" altLang="en-US" dirty="0" smtClean="0"/>
+              <a:rPr kumimoji="1" lang="zh-CN" altLang="en-US" b="1" dirty="0" smtClean="0"/>
               <a:t>更接近底层，需自行封装模块</a:t>
             </a:r>
-            <a:endParaRPr kumimoji="1" lang="en-US" altLang="zh-CN" dirty="0" smtClean="0"/>
-          </a:p>
-          <a:p>
-            <a:r>
-              <a:rPr kumimoji="1" lang="zh-CN" altLang="en-US" dirty="0" smtClean="0"/>
+            <a:endParaRPr kumimoji="1" lang="en-US" altLang="zh-CN" b="1" dirty="0" smtClean="0"/>
+          </a:p>
+          <a:p>
+            <a:r>
+              <a:rPr kumimoji="1" lang="zh-CN" altLang="en-US" b="1" dirty="0" smtClean="0"/>
               <a:t>时钟</a:t>
             </a:r>
             <a:r>
-              <a:rPr kumimoji="1" lang="en-US" altLang="zh-CN" dirty="0" smtClean="0"/>
+              <a:rPr kumimoji="1" lang="en-US" altLang="zh-CN" b="1" dirty="0" smtClean="0"/>
               <a:t>100MHz</a:t>
             </a:r>
           </a:p>
           <a:p>
             <a:r>
-              <a:rPr kumimoji="1" lang="zh-CN" altLang="en-US" dirty="0" smtClean="0"/>
+              <a:rPr kumimoji="1" lang="zh-CN" altLang="en-US" b="1" dirty="0" smtClean="0"/>
               <a:t>并行执行，</a:t>
             </a:r>
             <a:r>
-              <a:rPr kumimoji="1" lang="en-US" altLang="zh-CN" dirty="0" smtClean="0"/>
+              <a:rPr kumimoji="1" lang="en-US" altLang="zh-CN" b="1" dirty="0" smtClean="0"/>
               <a:t>IO</a:t>
             </a:r>
             <a:r>
-              <a:rPr kumimoji="1" lang="zh-CN" altLang="en-US" dirty="0" smtClean="0"/>
+              <a:rPr kumimoji="1" lang="zh-CN" altLang="en-US" b="1" dirty="0" smtClean="0"/>
               <a:t>速度高</a:t>
             </a:r>
-            <a:endParaRPr kumimoji="1" lang="zh-CN" altLang="en-US" dirty="0"/>
+            <a:endParaRPr kumimoji="1" lang="zh-CN" altLang="en-US" b="1" dirty="0"/>
           </a:p>
         </p:txBody>
       </p:sp>
@@ -13716,10 +14734,10 @@
           <a:lstStyle/>
           <a:p>
             <a:r>
-              <a:rPr kumimoji="1" lang="en-US" altLang="zh-CN" smtClean="0"/>
+              <a:rPr kumimoji="1" lang="en-US" altLang="zh-CN" b="1" smtClean="0"/>
               <a:t>2017/8/28</a:t>
             </a:r>
-            <a:endParaRPr kumimoji="1" lang="zh-CN" altLang="en-US"/>
+            <a:endParaRPr kumimoji="1" lang="zh-CN" altLang="en-US" b="1"/>
           </a:p>
         </p:txBody>
       </p:sp>
@@ -13739,10 +14757,10 @@
           <a:lstStyle/>
           <a:p>
             <a:fld id="{33EF475E-E69C-414B-8022-7688BE27D44A}" type="slidenum">
-              <a:rPr kumimoji="1" lang="zh-CN" altLang="en-US" smtClean="0"/>
+              <a:rPr kumimoji="1" lang="zh-CN" altLang="en-US" b="1" smtClean="0"/>
               <a:t>7</a:t>
             </a:fld>
-            <a:endParaRPr kumimoji="1" lang="zh-CN" altLang="en-US"/>
+            <a:endParaRPr kumimoji="1" lang="zh-CN" altLang="en-US" b="1"/>
           </a:p>
         </p:txBody>
       </p:sp>
@@ -13856,9 +14874,330 @@
   <p:timing>
     <p:tnLst>
       <p:par>
-        <p:cTn id="1" dur="indefinite" restart="never" nodeType="tmRoot"/>
+        <p:cTn id="1" dur="indefinite" restart="never" nodeType="tmRoot">
+          <p:childTnLst>
+            <p:seq concurrent="1" nextAc="seek">
+              <p:cTn id="2" dur="indefinite" nodeType="mainSeq">
+                <p:childTnLst>
+                  <p:par>
+                    <p:cTn id="3" fill="hold">
+                      <p:stCondLst>
+                        <p:cond delay="indefinite"/>
+                      </p:stCondLst>
+                      <p:childTnLst>
+                        <p:par>
+                          <p:cTn id="4" fill="hold">
+                            <p:stCondLst>
+                              <p:cond delay="0"/>
+                            </p:stCondLst>
+                            <p:childTnLst>
+                              <p:par>
+                                <p:cTn id="5" presetID="1" presetClass="entr" presetSubtype="0" fill="hold" grpId="0" nodeType="clickEffect">
+                                  <p:stCondLst>
+                                    <p:cond delay="0"/>
+                                  </p:stCondLst>
+                                  <p:childTnLst>
+                                    <p:set>
+                                      <p:cBhvr>
+                                        <p:cTn id="6" dur="1" fill="hold">
+                                          <p:stCondLst>
+                                            <p:cond delay="0"/>
+                                          </p:stCondLst>
+                                        </p:cTn>
+                                        <p:tgtEl>
+                                          <p:spTgt spid="7">
+                                            <p:txEl>
+                                              <p:pRg st="0" end="0"/>
+                                            </p:txEl>
+                                          </p:spTgt>
+                                        </p:tgtEl>
+                                        <p:attrNameLst>
+                                          <p:attrName>style.visibility</p:attrName>
+                                        </p:attrNameLst>
+                                      </p:cBhvr>
+                                      <p:to>
+                                        <p:strVal val="visible"/>
+                                      </p:to>
+                                    </p:set>
+                                  </p:childTnLst>
+                                </p:cTn>
+                              </p:par>
+                            </p:childTnLst>
+                          </p:cTn>
+                        </p:par>
+                      </p:childTnLst>
+                    </p:cTn>
+                  </p:par>
+                  <p:par>
+                    <p:cTn id="7" fill="hold">
+                      <p:stCondLst>
+                        <p:cond delay="indefinite"/>
+                      </p:stCondLst>
+                      <p:childTnLst>
+                        <p:par>
+                          <p:cTn id="8" fill="hold">
+                            <p:stCondLst>
+                              <p:cond delay="0"/>
+                            </p:stCondLst>
+                            <p:childTnLst>
+                              <p:par>
+                                <p:cTn id="9" presetID="1" presetClass="entr" presetSubtype="0" fill="hold" grpId="0" nodeType="clickEffect">
+                                  <p:stCondLst>
+                                    <p:cond delay="0"/>
+                                  </p:stCondLst>
+                                  <p:childTnLst>
+                                    <p:set>
+                                      <p:cBhvr>
+                                        <p:cTn id="10" dur="1" fill="hold">
+                                          <p:stCondLst>
+                                            <p:cond delay="0"/>
+                                          </p:stCondLst>
+                                        </p:cTn>
+                                        <p:tgtEl>
+                                          <p:spTgt spid="9">
+                                            <p:txEl>
+                                              <p:pRg st="0" end="0"/>
+                                            </p:txEl>
+                                          </p:spTgt>
+                                        </p:tgtEl>
+                                        <p:attrNameLst>
+                                          <p:attrName>style.visibility</p:attrName>
+                                        </p:attrNameLst>
+                                      </p:cBhvr>
+                                      <p:to>
+                                        <p:strVal val="visible"/>
+                                      </p:to>
+                                    </p:set>
+                                  </p:childTnLst>
+                                </p:cTn>
+                              </p:par>
+                            </p:childTnLst>
+                          </p:cTn>
+                        </p:par>
+                      </p:childTnLst>
+                    </p:cTn>
+                  </p:par>
+                  <p:par>
+                    <p:cTn id="11" fill="hold">
+                      <p:stCondLst>
+                        <p:cond delay="indefinite"/>
+                      </p:stCondLst>
+                      <p:childTnLst>
+                        <p:par>
+                          <p:cTn id="12" fill="hold">
+                            <p:stCondLst>
+                              <p:cond delay="0"/>
+                            </p:stCondLst>
+                            <p:childTnLst>
+                              <p:par>
+                                <p:cTn id="13" presetID="1" presetClass="entr" presetSubtype="0" fill="hold" grpId="0" nodeType="clickEffect">
+                                  <p:stCondLst>
+                                    <p:cond delay="0"/>
+                                  </p:stCondLst>
+                                  <p:childTnLst>
+                                    <p:set>
+                                      <p:cBhvr>
+                                        <p:cTn id="14" dur="1" fill="hold">
+                                          <p:stCondLst>
+                                            <p:cond delay="0"/>
+                                          </p:stCondLst>
+                                        </p:cTn>
+                                        <p:tgtEl>
+                                          <p:spTgt spid="7">
+                                            <p:txEl>
+                                              <p:pRg st="1" end="1"/>
+                                            </p:txEl>
+                                          </p:spTgt>
+                                        </p:tgtEl>
+                                        <p:attrNameLst>
+                                          <p:attrName>style.visibility</p:attrName>
+                                        </p:attrNameLst>
+                                      </p:cBhvr>
+                                      <p:to>
+                                        <p:strVal val="visible"/>
+                                      </p:to>
+                                    </p:set>
+                                  </p:childTnLst>
+                                </p:cTn>
+                              </p:par>
+                            </p:childTnLst>
+                          </p:cTn>
+                        </p:par>
+                      </p:childTnLst>
+                    </p:cTn>
+                  </p:par>
+                  <p:par>
+                    <p:cTn id="15" fill="hold">
+                      <p:stCondLst>
+                        <p:cond delay="indefinite"/>
+                      </p:stCondLst>
+                      <p:childTnLst>
+                        <p:par>
+                          <p:cTn id="16" fill="hold">
+                            <p:stCondLst>
+                              <p:cond delay="0"/>
+                            </p:stCondLst>
+                            <p:childTnLst>
+                              <p:par>
+                                <p:cTn id="17" presetID="1" presetClass="entr" presetSubtype="0" fill="hold" grpId="0" nodeType="clickEffect">
+                                  <p:stCondLst>
+                                    <p:cond delay="0"/>
+                                  </p:stCondLst>
+                                  <p:childTnLst>
+                                    <p:set>
+                                      <p:cBhvr>
+                                        <p:cTn id="18" dur="1" fill="hold">
+                                          <p:stCondLst>
+                                            <p:cond delay="0"/>
+                                          </p:stCondLst>
+                                        </p:cTn>
+                                        <p:tgtEl>
+                                          <p:spTgt spid="9">
+                                            <p:txEl>
+                                              <p:pRg st="1" end="1"/>
+                                            </p:txEl>
+                                          </p:spTgt>
+                                        </p:tgtEl>
+                                        <p:attrNameLst>
+                                          <p:attrName>style.visibility</p:attrName>
+                                        </p:attrNameLst>
+                                      </p:cBhvr>
+                                      <p:to>
+                                        <p:strVal val="visible"/>
+                                      </p:to>
+                                    </p:set>
+                                  </p:childTnLst>
+                                </p:cTn>
+                              </p:par>
+                            </p:childTnLst>
+                          </p:cTn>
+                        </p:par>
+                      </p:childTnLst>
+                    </p:cTn>
+                  </p:par>
+                  <p:par>
+                    <p:cTn id="19" fill="hold">
+                      <p:stCondLst>
+                        <p:cond delay="indefinite"/>
+                      </p:stCondLst>
+                      <p:childTnLst>
+                        <p:par>
+                          <p:cTn id="20" fill="hold">
+                            <p:stCondLst>
+                              <p:cond delay="0"/>
+                            </p:stCondLst>
+                            <p:childTnLst>
+                              <p:par>
+                                <p:cTn id="21" presetID="1" presetClass="entr" presetSubtype="0" fill="hold" grpId="0" nodeType="clickEffect">
+                                  <p:stCondLst>
+                                    <p:cond delay="0"/>
+                                  </p:stCondLst>
+                                  <p:childTnLst>
+                                    <p:set>
+                                      <p:cBhvr>
+                                        <p:cTn id="22" dur="1" fill="hold">
+                                          <p:stCondLst>
+                                            <p:cond delay="0"/>
+                                          </p:stCondLst>
+                                        </p:cTn>
+                                        <p:tgtEl>
+                                          <p:spTgt spid="7">
+                                            <p:txEl>
+                                              <p:pRg st="2" end="2"/>
+                                            </p:txEl>
+                                          </p:spTgt>
+                                        </p:tgtEl>
+                                        <p:attrNameLst>
+                                          <p:attrName>style.visibility</p:attrName>
+                                        </p:attrNameLst>
+                                      </p:cBhvr>
+                                      <p:to>
+                                        <p:strVal val="visible"/>
+                                      </p:to>
+                                    </p:set>
+                                  </p:childTnLst>
+                                </p:cTn>
+                              </p:par>
+                            </p:childTnLst>
+                          </p:cTn>
+                        </p:par>
+                      </p:childTnLst>
+                    </p:cTn>
+                  </p:par>
+                  <p:par>
+                    <p:cTn id="23" fill="hold">
+                      <p:stCondLst>
+                        <p:cond delay="indefinite"/>
+                      </p:stCondLst>
+                      <p:childTnLst>
+                        <p:par>
+                          <p:cTn id="24" fill="hold">
+                            <p:stCondLst>
+                              <p:cond delay="0"/>
+                            </p:stCondLst>
+                            <p:childTnLst>
+                              <p:par>
+                                <p:cTn id="25" presetID="1" presetClass="entr" presetSubtype="0" fill="hold" grpId="0" nodeType="clickEffect">
+                                  <p:stCondLst>
+                                    <p:cond delay="0"/>
+                                  </p:stCondLst>
+                                  <p:childTnLst>
+                                    <p:set>
+                                      <p:cBhvr>
+                                        <p:cTn id="26" dur="1" fill="hold">
+                                          <p:stCondLst>
+                                            <p:cond delay="0"/>
+                                          </p:stCondLst>
+                                        </p:cTn>
+                                        <p:tgtEl>
+                                          <p:spTgt spid="9">
+                                            <p:txEl>
+                                              <p:pRg st="2" end="2"/>
+                                            </p:txEl>
+                                          </p:spTgt>
+                                        </p:tgtEl>
+                                        <p:attrNameLst>
+                                          <p:attrName>style.visibility</p:attrName>
+                                        </p:attrNameLst>
+                                      </p:cBhvr>
+                                      <p:to>
+                                        <p:strVal val="visible"/>
+                                      </p:to>
+                                    </p:set>
+                                  </p:childTnLst>
+                                </p:cTn>
+                              </p:par>
+                            </p:childTnLst>
+                          </p:cTn>
+                        </p:par>
+                      </p:childTnLst>
+                    </p:cTn>
+                  </p:par>
+                </p:childTnLst>
+              </p:cTn>
+              <p:prevCondLst>
+                <p:cond evt="onPrev" delay="0">
+                  <p:tgtEl>
+                    <p:sldTgt/>
+                  </p:tgtEl>
+                </p:cond>
+              </p:prevCondLst>
+              <p:nextCondLst>
+                <p:cond evt="onNext" delay="0">
+                  <p:tgtEl>
+                    <p:sldTgt/>
+                  </p:tgtEl>
+                </p:cond>
+              </p:nextCondLst>
+            </p:seq>
+          </p:childTnLst>
+        </p:cTn>
       </p:par>
     </p:tnLst>
+    <p:bldLst>
+      <p:bldP spid="7" grpId="0" uiExpand="1" build="p"/>
+      <p:bldP spid="9" grpId="0" uiExpand="1" build="p"/>
+    </p:bldLst>
   </p:timing>
 </p:sld>
 </file>
@@ -13896,10 +15235,10 @@
           <a:lstStyle/>
           <a:p>
             <a:r>
-              <a:rPr kumimoji="1" lang="zh-CN" altLang="en-US" dirty="0" smtClean="0"/>
+              <a:rPr kumimoji="1" lang="zh-CN" altLang="en-US" b="1" dirty="0" smtClean="0"/>
               <a:t>三、方案比较和选择</a:t>
             </a:r>
-            <a:endParaRPr kumimoji="1" lang="zh-CN" altLang="en-US" dirty="0"/>
+            <a:endParaRPr kumimoji="1" lang="zh-CN" altLang="en-US" b="1" dirty="0"/>
           </a:p>
         </p:txBody>
       </p:sp>
@@ -13919,45 +15258,85 @@
           <a:lstStyle/>
           <a:p>
             <a:r>
-              <a:rPr kumimoji="1" lang="zh-CN" altLang="en-US" dirty="0" smtClean="0"/>
+              <a:rPr kumimoji="1" lang="zh-CN" altLang="en-US" b="1" dirty="0" smtClean="0">
+                <a:solidFill>
+                  <a:schemeClr val="bg2"/>
+                </a:solidFill>
+              </a:rPr>
               <a:t>主控元件</a:t>
             </a:r>
-            <a:endParaRPr kumimoji="1" lang="en-US" altLang="zh-CN" dirty="0" smtClean="0"/>
-          </a:p>
-          <a:p>
-            <a:r>
-              <a:rPr kumimoji="1" lang="zh-CN" altLang="en-US" dirty="0" smtClean="0"/>
+            <a:endParaRPr kumimoji="1" lang="en-US" altLang="zh-CN" b="1" dirty="0" smtClean="0">
+              <a:solidFill>
+                <a:schemeClr val="bg2"/>
+              </a:solidFill>
+            </a:endParaRPr>
+          </a:p>
+          <a:p>
+            <a:r>
+              <a:rPr kumimoji="1" lang="zh-CN" altLang="en-US" b="1" dirty="0" smtClean="0"/>
               <a:t>通信机制</a:t>
             </a:r>
-            <a:endParaRPr kumimoji="1" lang="en-US" altLang="zh-CN" dirty="0" smtClean="0"/>
-          </a:p>
-          <a:p>
-            <a:r>
-              <a:rPr kumimoji="1" lang="zh-CN" altLang="en-US" dirty="0" smtClean="0"/>
+            <a:endParaRPr kumimoji="1" lang="en-US" altLang="zh-CN" b="1" dirty="0" smtClean="0"/>
+          </a:p>
+          <a:p>
+            <a:r>
+              <a:rPr kumimoji="1" lang="zh-CN" altLang="en-US" b="1" dirty="0" smtClean="0">
+                <a:solidFill>
+                  <a:schemeClr val="bg2"/>
+                </a:solidFill>
+              </a:rPr>
               <a:t>供电方式</a:t>
             </a:r>
-            <a:endParaRPr kumimoji="1" lang="en-US" altLang="zh-CN" dirty="0" smtClean="0"/>
-          </a:p>
-          <a:p>
-            <a:r>
-              <a:rPr kumimoji="1" lang="zh-CN" altLang="en-US" dirty="0" smtClean="0"/>
+            <a:endParaRPr kumimoji="1" lang="en-US" altLang="zh-CN" b="1" dirty="0" smtClean="0">
+              <a:solidFill>
+                <a:schemeClr val="bg2"/>
+              </a:solidFill>
+            </a:endParaRPr>
+          </a:p>
+          <a:p>
+            <a:r>
+              <a:rPr kumimoji="1" lang="zh-CN" altLang="en-US" b="1" dirty="0" smtClean="0">
+                <a:solidFill>
+                  <a:schemeClr val="bg2"/>
+                </a:solidFill>
+              </a:rPr>
               <a:t>摄像头数据传输技术</a:t>
             </a:r>
-            <a:endParaRPr kumimoji="1" lang="en-US" altLang="zh-CN" dirty="0" smtClean="0"/>
-          </a:p>
-          <a:p>
-            <a:r>
-              <a:rPr kumimoji="1" lang="zh-CN" altLang="en-US" dirty="0" smtClean="0"/>
+            <a:endParaRPr kumimoji="1" lang="en-US" altLang="zh-CN" b="1" dirty="0" smtClean="0">
+              <a:solidFill>
+                <a:schemeClr val="bg2"/>
+              </a:solidFill>
+            </a:endParaRPr>
+          </a:p>
+          <a:p>
+            <a:r>
+              <a:rPr kumimoji="1" lang="zh-CN" altLang="en-US" b="1" dirty="0" smtClean="0">
+                <a:solidFill>
+                  <a:schemeClr val="bg2"/>
+                </a:solidFill>
+              </a:rPr>
               <a:t>车辆位置信息处理方式</a:t>
             </a:r>
-            <a:endParaRPr kumimoji="1" lang="en-US" altLang="zh-CN" dirty="0" smtClean="0"/>
-          </a:p>
-          <a:p>
-            <a:r>
-              <a:rPr kumimoji="1" lang="zh-CN" altLang="en-US" smtClean="0"/>
+            <a:endParaRPr kumimoji="1" lang="en-US" altLang="zh-CN" b="1" dirty="0" smtClean="0">
+              <a:solidFill>
+                <a:schemeClr val="bg2"/>
+              </a:solidFill>
+            </a:endParaRPr>
+          </a:p>
+          <a:p>
+            <a:r>
+              <a:rPr kumimoji="1" lang="zh-CN" altLang="en-US" b="1" dirty="0" smtClean="0">
+                <a:solidFill>
+                  <a:schemeClr val="bg2"/>
+                </a:solidFill>
+              </a:rPr>
               <a:t>其他注意事项</a:t>
             </a:r>
-            <a:endParaRPr kumimoji="1" lang="zh-CN" altLang="en-US"/>
+            <a:endParaRPr kumimoji="1" lang="zh-CN" altLang="en-US" b="1" dirty="0">
+              <a:solidFill>
+                <a:schemeClr val="bg2"/>
+              </a:solidFill>
+            </a:endParaRPr>
           </a:p>
         </p:txBody>
       </p:sp>
@@ -13977,10 +15356,10 @@
           <a:lstStyle/>
           <a:p>
             <a:r>
-              <a:rPr kumimoji="1" lang="en-US" altLang="zh-CN" smtClean="0"/>
+              <a:rPr kumimoji="1" lang="en-US" altLang="zh-CN" b="1" smtClean="0"/>
               <a:t>2017/8/28</a:t>
             </a:r>
-            <a:endParaRPr kumimoji="1" lang="zh-CN" altLang="en-US"/>
+            <a:endParaRPr kumimoji="1" lang="zh-CN" altLang="en-US" b="1"/>
           </a:p>
         </p:txBody>
       </p:sp>
@@ -14000,10 +15379,10 @@
           <a:lstStyle/>
           <a:p>
             <a:fld id="{33EF475E-E69C-414B-8022-7688BE27D44A}" type="slidenum">
-              <a:rPr kumimoji="1" lang="zh-CN" altLang="en-US" smtClean="0"/>
+              <a:rPr kumimoji="1" lang="zh-CN" altLang="en-US" b="1" smtClean="0"/>
               <a:t>8</a:t>
             </a:fld>
-            <a:endParaRPr kumimoji="1" lang="zh-CN" altLang="en-US"/>
+            <a:endParaRPr kumimoji="1" lang="zh-CN" altLang="en-US" b="1"/>
           </a:p>
         </p:txBody>
       </p:sp>
@@ -14060,10 +15439,10 @@
           <a:lstStyle/>
           <a:p>
             <a:r>
-              <a:rPr kumimoji="1" lang="zh-CN" altLang="en-US" dirty="0" smtClean="0"/>
+              <a:rPr kumimoji="1" lang="zh-CN" altLang="en-US" b="1" dirty="0" smtClean="0"/>
               <a:t>通信机制</a:t>
             </a:r>
-            <a:endParaRPr kumimoji="1" lang="zh-CN" altLang="en-US" dirty="0"/>
+            <a:endParaRPr kumimoji="1" lang="zh-CN" altLang="en-US" b="1" dirty="0"/>
           </a:p>
         </p:txBody>
       </p:sp>
@@ -14106,32 +15485,32 @@
           <a:lstStyle/>
           <a:p>
             <a:r>
-              <a:rPr kumimoji="1" lang="zh-CN" altLang="en-US" dirty="0" smtClean="0"/>
+              <a:rPr kumimoji="1" lang="zh-CN" altLang="en-US" b="1" dirty="0" smtClean="0"/>
               <a:t>通信速率高，传输距离远</a:t>
             </a:r>
-            <a:endParaRPr kumimoji="1" lang="en-US" altLang="zh-CN" dirty="0" smtClean="0"/>
-          </a:p>
-          <a:p>
-            <a:r>
-              <a:rPr kumimoji="1" lang="zh-CN" altLang="en-US" dirty="0" smtClean="0"/>
+            <a:endParaRPr kumimoji="1" lang="en-US" altLang="zh-CN" b="1" dirty="0" smtClean="0"/>
+          </a:p>
+          <a:p>
+            <a:r>
+              <a:rPr kumimoji="1" lang="zh-CN" altLang="en-US" b="1" dirty="0" smtClean="0"/>
               <a:t>可拓展性强</a:t>
             </a:r>
-            <a:endParaRPr kumimoji="1" lang="en-US" altLang="zh-CN" dirty="0" smtClean="0"/>
-          </a:p>
-          <a:p>
-            <a:r>
-              <a:rPr kumimoji="1" lang="zh-CN" altLang="en-US" dirty="0" smtClean="0"/>
+            <a:endParaRPr kumimoji="1" lang="en-US" altLang="zh-CN" b="1" dirty="0" smtClean="0"/>
+          </a:p>
+          <a:p>
+            <a:r>
+              <a:rPr kumimoji="1" lang="zh-CN" altLang="en-US" b="1" dirty="0" smtClean="0"/>
               <a:t>可封装成</a:t>
             </a:r>
             <a:r>
-              <a:rPr kumimoji="1" lang="en-US" altLang="zh-CN" dirty="0" smtClean="0"/>
+              <a:rPr kumimoji="1" lang="en-US" altLang="zh-CN" b="1" dirty="0" smtClean="0"/>
               <a:t>SPI</a:t>
             </a:r>
             <a:r>
-              <a:rPr kumimoji="1" lang="zh-CN" altLang="en-US" dirty="0" smtClean="0"/>
+              <a:rPr kumimoji="1" lang="zh-CN" altLang="en-US" b="1" dirty="0" smtClean="0"/>
               <a:t>协议，开发仍然较为困难</a:t>
             </a:r>
-            <a:endParaRPr kumimoji="1" lang="zh-CN" altLang="en-US" dirty="0"/>
+            <a:endParaRPr kumimoji="1" lang="zh-CN" altLang="en-US" b="1" dirty="0"/>
           </a:p>
         </p:txBody>
       </p:sp>
@@ -14174,38 +15553,38 @@
           <a:lstStyle/>
           <a:p>
             <a:r>
-              <a:rPr kumimoji="1" lang="zh-CN" altLang="en-US" dirty="0" smtClean="0"/>
+              <a:rPr kumimoji="1" lang="zh-CN" altLang="en-US" b="1" dirty="0" smtClean="0"/>
               <a:t>封装成串口协议，方便开发</a:t>
             </a:r>
-            <a:endParaRPr kumimoji="1" lang="en-US" altLang="zh-CN" dirty="0" smtClean="0"/>
-          </a:p>
-          <a:p>
-            <a:r>
-              <a:rPr kumimoji="1" lang="zh-CN" altLang="en-US" dirty="0" smtClean="0"/>
+            <a:endParaRPr kumimoji="1" lang="en-US" altLang="zh-CN" b="1" dirty="0" smtClean="0"/>
+          </a:p>
+          <a:p>
+            <a:r>
+              <a:rPr kumimoji="1" lang="zh-CN" altLang="en-US" b="1" dirty="0" smtClean="0"/>
               <a:t>不依赖第三方设备</a:t>
             </a:r>
-            <a:endParaRPr kumimoji="1" lang="en-US" altLang="zh-CN" dirty="0" smtClean="0"/>
-          </a:p>
-          <a:p>
-            <a:r>
-              <a:rPr kumimoji="1" lang="zh-CN" altLang="en-US" dirty="0" smtClean="0"/>
+            <a:endParaRPr kumimoji="1" lang="en-US" altLang="zh-CN" b="1" dirty="0" smtClean="0"/>
+          </a:p>
+          <a:p>
+            <a:r>
+              <a:rPr kumimoji="1" lang="zh-CN" altLang="en-US" b="1" dirty="0" smtClean="0"/>
               <a:t>功耗较小</a:t>
             </a:r>
-            <a:endParaRPr kumimoji="1" lang="en-US" altLang="zh-CN" dirty="0" smtClean="0"/>
-          </a:p>
-          <a:p>
-            <a:r>
-              <a:rPr kumimoji="1" lang="zh-CN" altLang="en-US" dirty="0" smtClean="0"/>
+            <a:endParaRPr kumimoji="1" lang="en-US" altLang="zh-CN" b="1" dirty="0" smtClean="0"/>
+          </a:p>
+          <a:p>
+            <a:r>
+              <a:rPr kumimoji="1" lang="zh-CN" altLang="en-US" b="1" dirty="0" smtClean="0"/>
               <a:t>通信速率较低，不能满足实时性</a:t>
             </a:r>
-            <a:endParaRPr kumimoji="1" lang="en-US" altLang="zh-CN" dirty="0" smtClean="0"/>
-          </a:p>
-          <a:p>
-            <a:r>
-              <a:rPr kumimoji="1" lang="zh-CN" altLang="en-US" dirty="0" smtClean="0"/>
+            <a:endParaRPr kumimoji="1" lang="en-US" altLang="zh-CN" b="1" dirty="0" smtClean="0"/>
+          </a:p>
+          <a:p>
+            <a:r>
+              <a:rPr kumimoji="1" lang="zh-CN" altLang="en-US" b="1" dirty="0" smtClean="0"/>
               <a:t>传输距离局限</a:t>
             </a:r>
-            <a:endParaRPr kumimoji="1" lang="zh-CN" altLang="en-US" dirty="0"/>
+            <a:endParaRPr kumimoji="1" lang="zh-CN" altLang="en-US" b="1" dirty="0"/>
           </a:p>
         </p:txBody>
       </p:sp>
@@ -14225,10 +15604,10 @@
           <a:lstStyle/>
           <a:p>
             <a:r>
-              <a:rPr kumimoji="1" lang="en-US" altLang="zh-CN" smtClean="0"/>
+              <a:rPr kumimoji="1" lang="en-US" altLang="zh-CN" b="1" smtClean="0"/>
               <a:t>2017/8/28</a:t>
             </a:r>
-            <a:endParaRPr kumimoji="1" lang="zh-CN" altLang="en-US"/>
+            <a:endParaRPr kumimoji="1" lang="zh-CN" altLang="en-US" b="1"/>
           </a:p>
         </p:txBody>
       </p:sp>
@@ -14248,10 +15627,10 @@
           <a:lstStyle/>
           <a:p>
             <a:fld id="{33EF475E-E69C-414B-8022-7688BE27D44A}" type="slidenum">
-              <a:rPr kumimoji="1" lang="zh-CN" altLang="en-US" smtClean="0"/>
+              <a:rPr kumimoji="1" lang="zh-CN" altLang="en-US" b="1" smtClean="0"/>
               <a:t>9</a:t>
             </a:fld>
-            <a:endParaRPr kumimoji="1" lang="zh-CN" altLang="en-US"/>
+            <a:endParaRPr kumimoji="1" lang="zh-CN" altLang="en-US" b="1"/>
           </a:p>
         </p:txBody>
       </p:sp>
@@ -14365,9 +15744,428 @@
   <p:timing>
     <p:tnLst>
       <p:par>
-        <p:cTn id="1" dur="indefinite" restart="never" nodeType="tmRoot"/>
+        <p:cTn id="1" dur="indefinite" restart="never" nodeType="tmRoot">
+          <p:childTnLst>
+            <p:seq concurrent="1" nextAc="seek">
+              <p:cTn id="2" dur="indefinite" nodeType="mainSeq">
+                <p:childTnLst>
+                  <p:par>
+                    <p:cTn id="3" fill="hold">
+                      <p:stCondLst>
+                        <p:cond delay="indefinite"/>
+                      </p:stCondLst>
+                      <p:childTnLst>
+                        <p:par>
+                          <p:cTn id="4" fill="hold">
+                            <p:stCondLst>
+                              <p:cond delay="0"/>
+                            </p:stCondLst>
+                            <p:childTnLst>
+                              <p:par>
+                                <p:cTn id="5" presetID="1" presetClass="entr" presetSubtype="0" fill="hold" grpId="0" nodeType="clickEffect">
+                                  <p:stCondLst>
+                                    <p:cond delay="0"/>
+                                  </p:stCondLst>
+                                  <p:childTnLst>
+                                    <p:set>
+                                      <p:cBhvr>
+                                        <p:cTn id="6" dur="1" fill="hold">
+                                          <p:stCondLst>
+                                            <p:cond delay="0"/>
+                                          </p:stCondLst>
+                                        </p:cTn>
+                                        <p:tgtEl>
+                                          <p:spTgt spid="7">
+                                            <p:txEl>
+                                              <p:pRg st="0" end="0"/>
+                                            </p:txEl>
+                                          </p:spTgt>
+                                        </p:tgtEl>
+                                        <p:attrNameLst>
+                                          <p:attrName>style.visibility</p:attrName>
+                                        </p:attrNameLst>
+                                      </p:cBhvr>
+                                      <p:to>
+                                        <p:strVal val="visible"/>
+                                      </p:to>
+                                    </p:set>
+                                  </p:childTnLst>
+                                </p:cTn>
+                              </p:par>
+                            </p:childTnLst>
+                          </p:cTn>
+                        </p:par>
+                      </p:childTnLst>
+                    </p:cTn>
+                  </p:par>
+                  <p:par>
+                    <p:cTn id="7" fill="hold">
+                      <p:stCondLst>
+                        <p:cond delay="indefinite"/>
+                      </p:stCondLst>
+                      <p:childTnLst>
+                        <p:par>
+                          <p:cTn id="8" fill="hold">
+                            <p:stCondLst>
+                              <p:cond delay="0"/>
+                            </p:stCondLst>
+                            <p:childTnLst>
+                              <p:par>
+                                <p:cTn id="9" presetID="1" presetClass="entr" presetSubtype="0" fill="hold" grpId="0" nodeType="clickEffect">
+                                  <p:stCondLst>
+                                    <p:cond delay="0"/>
+                                  </p:stCondLst>
+                                  <p:childTnLst>
+                                    <p:set>
+                                      <p:cBhvr>
+                                        <p:cTn id="10" dur="1" fill="hold">
+                                          <p:stCondLst>
+                                            <p:cond delay="0"/>
+                                          </p:stCondLst>
+                                        </p:cTn>
+                                        <p:tgtEl>
+                                          <p:spTgt spid="7">
+                                            <p:txEl>
+                                              <p:pRg st="1" end="1"/>
+                                            </p:txEl>
+                                          </p:spTgt>
+                                        </p:tgtEl>
+                                        <p:attrNameLst>
+                                          <p:attrName>style.visibility</p:attrName>
+                                        </p:attrNameLst>
+                                      </p:cBhvr>
+                                      <p:to>
+                                        <p:strVal val="visible"/>
+                                      </p:to>
+                                    </p:set>
+                                  </p:childTnLst>
+                                </p:cTn>
+                              </p:par>
+                            </p:childTnLst>
+                          </p:cTn>
+                        </p:par>
+                      </p:childTnLst>
+                    </p:cTn>
+                  </p:par>
+                  <p:par>
+                    <p:cTn id="11" fill="hold">
+                      <p:stCondLst>
+                        <p:cond delay="indefinite"/>
+                      </p:stCondLst>
+                      <p:childTnLst>
+                        <p:par>
+                          <p:cTn id="12" fill="hold">
+                            <p:stCondLst>
+                              <p:cond delay="0"/>
+                            </p:stCondLst>
+                            <p:childTnLst>
+                              <p:par>
+                                <p:cTn id="13" presetID="1" presetClass="entr" presetSubtype="0" fill="hold" grpId="0" nodeType="clickEffect">
+                                  <p:stCondLst>
+                                    <p:cond delay="0"/>
+                                  </p:stCondLst>
+                                  <p:childTnLst>
+                                    <p:set>
+                                      <p:cBhvr>
+                                        <p:cTn id="14" dur="1" fill="hold">
+                                          <p:stCondLst>
+                                            <p:cond delay="0"/>
+                                          </p:stCondLst>
+                                        </p:cTn>
+                                        <p:tgtEl>
+                                          <p:spTgt spid="7">
+                                            <p:txEl>
+                                              <p:pRg st="2" end="2"/>
+                                            </p:txEl>
+                                          </p:spTgt>
+                                        </p:tgtEl>
+                                        <p:attrNameLst>
+                                          <p:attrName>style.visibility</p:attrName>
+                                        </p:attrNameLst>
+                                      </p:cBhvr>
+                                      <p:to>
+                                        <p:strVal val="visible"/>
+                                      </p:to>
+                                    </p:set>
+                                  </p:childTnLst>
+                                </p:cTn>
+                              </p:par>
+                            </p:childTnLst>
+                          </p:cTn>
+                        </p:par>
+                      </p:childTnLst>
+                    </p:cTn>
+                  </p:par>
+                  <p:par>
+                    <p:cTn id="15" fill="hold">
+                      <p:stCondLst>
+                        <p:cond delay="indefinite"/>
+                      </p:stCondLst>
+                      <p:childTnLst>
+                        <p:par>
+                          <p:cTn id="16" fill="hold">
+                            <p:stCondLst>
+                              <p:cond delay="0"/>
+                            </p:stCondLst>
+                            <p:childTnLst>
+                              <p:par>
+                                <p:cTn id="17" presetID="1" presetClass="entr" presetSubtype="0" fill="hold" grpId="0" nodeType="clickEffect">
+                                  <p:stCondLst>
+                                    <p:cond delay="0"/>
+                                  </p:stCondLst>
+                                  <p:childTnLst>
+                                    <p:set>
+                                      <p:cBhvr>
+                                        <p:cTn id="18" dur="1" fill="hold">
+                                          <p:stCondLst>
+                                            <p:cond delay="0"/>
+                                          </p:stCondLst>
+                                        </p:cTn>
+                                        <p:tgtEl>
+                                          <p:spTgt spid="9">
+                                            <p:txEl>
+                                              <p:pRg st="0" end="0"/>
+                                            </p:txEl>
+                                          </p:spTgt>
+                                        </p:tgtEl>
+                                        <p:attrNameLst>
+                                          <p:attrName>style.visibility</p:attrName>
+                                        </p:attrNameLst>
+                                      </p:cBhvr>
+                                      <p:to>
+                                        <p:strVal val="visible"/>
+                                      </p:to>
+                                    </p:set>
+                                  </p:childTnLst>
+                                </p:cTn>
+                              </p:par>
+                            </p:childTnLst>
+                          </p:cTn>
+                        </p:par>
+                      </p:childTnLst>
+                    </p:cTn>
+                  </p:par>
+                  <p:par>
+                    <p:cTn id="19" fill="hold">
+                      <p:stCondLst>
+                        <p:cond delay="indefinite"/>
+                      </p:stCondLst>
+                      <p:childTnLst>
+                        <p:par>
+                          <p:cTn id="20" fill="hold">
+                            <p:stCondLst>
+                              <p:cond delay="0"/>
+                            </p:stCondLst>
+                            <p:childTnLst>
+                              <p:par>
+                                <p:cTn id="21" presetID="1" presetClass="entr" presetSubtype="0" fill="hold" grpId="0" nodeType="clickEffect">
+                                  <p:stCondLst>
+                                    <p:cond delay="0"/>
+                                  </p:stCondLst>
+                                  <p:childTnLst>
+                                    <p:set>
+                                      <p:cBhvr>
+                                        <p:cTn id="22" dur="1" fill="hold">
+                                          <p:stCondLst>
+                                            <p:cond delay="0"/>
+                                          </p:stCondLst>
+                                        </p:cTn>
+                                        <p:tgtEl>
+                                          <p:spTgt spid="9">
+                                            <p:txEl>
+                                              <p:pRg st="1" end="1"/>
+                                            </p:txEl>
+                                          </p:spTgt>
+                                        </p:tgtEl>
+                                        <p:attrNameLst>
+                                          <p:attrName>style.visibility</p:attrName>
+                                        </p:attrNameLst>
+                                      </p:cBhvr>
+                                      <p:to>
+                                        <p:strVal val="visible"/>
+                                      </p:to>
+                                    </p:set>
+                                  </p:childTnLst>
+                                </p:cTn>
+                              </p:par>
+                            </p:childTnLst>
+                          </p:cTn>
+                        </p:par>
+                      </p:childTnLst>
+                    </p:cTn>
+                  </p:par>
+                  <p:par>
+                    <p:cTn id="23" fill="hold">
+                      <p:stCondLst>
+                        <p:cond delay="indefinite"/>
+                      </p:stCondLst>
+                      <p:childTnLst>
+                        <p:par>
+                          <p:cTn id="24" fill="hold">
+                            <p:stCondLst>
+                              <p:cond delay="0"/>
+                            </p:stCondLst>
+                            <p:childTnLst>
+                              <p:par>
+                                <p:cTn id="25" presetID="1" presetClass="entr" presetSubtype="0" fill="hold" grpId="0" nodeType="clickEffect">
+                                  <p:stCondLst>
+                                    <p:cond delay="0"/>
+                                  </p:stCondLst>
+                                  <p:childTnLst>
+                                    <p:set>
+                                      <p:cBhvr>
+                                        <p:cTn id="26" dur="1" fill="hold">
+                                          <p:stCondLst>
+                                            <p:cond delay="0"/>
+                                          </p:stCondLst>
+                                        </p:cTn>
+                                        <p:tgtEl>
+                                          <p:spTgt spid="9">
+                                            <p:txEl>
+                                              <p:pRg st="2" end="2"/>
+                                            </p:txEl>
+                                          </p:spTgt>
+                                        </p:tgtEl>
+                                        <p:attrNameLst>
+                                          <p:attrName>style.visibility</p:attrName>
+                                        </p:attrNameLst>
+                                      </p:cBhvr>
+                                      <p:to>
+                                        <p:strVal val="visible"/>
+                                      </p:to>
+                                    </p:set>
+                                  </p:childTnLst>
+                                </p:cTn>
+                              </p:par>
+                            </p:childTnLst>
+                          </p:cTn>
+                        </p:par>
+                      </p:childTnLst>
+                    </p:cTn>
+                  </p:par>
+                  <p:par>
+                    <p:cTn id="27" fill="hold">
+                      <p:stCondLst>
+                        <p:cond delay="indefinite"/>
+                      </p:stCondLst>
+                      <p:childTnLst>
+                        <p:par>
+                          <p:cTn id="28" fill="hold">
+                            <p:stCondLst>
+                              <p:cond delay="0"/>
+                            </p:stCondLst>
+                            <p:childTnLst>
+                              <p:par>
+                                <p:cTn id="29" presetID="1" presetClass="entr" presetSubtype="0" fill="hold" grpId="0" nodeType="clickEffect">
+                                  <p:stCondLst>
+                                    <p:cond delay="0"/>
+                                  </p:stCondLst>
+                                  <p:childTnLst>
+                                    <p:set>
+                                      <p:cBhvr>
+                                        <p:cTn id="30" dur="1" fill="hold">
+                                          <p:stCondLst>
+                                            <p:cond delay="0"/>
+                                          </p:stCondLst>
+                                        </p:cTn>
+                                        <p:tgtEl>
+                                          <p:spTgt spid="9">
+                                            <p:txEl>
+                                              <p:pRg st="3" end="3"/>
+                                            </p:txEl>
+                                          </p:spTgt>
+                                        </p:tgtEl>
+                                        <p:attrNameLst>
+                                          <p:attrName>style.visibility</p:attrName>
+                                        </p:attrNameLst>
+                                      </p:cBhvr>
+                                      <p:to>
+                                        <p:strVal val="visible"/>
+                                      </p:to>
+                                    </p:set>
+                                  </p:childTnLst>
+                                </p:cTn>
+                              </p:par>
+                            </p:childTnLst>
+                          </p:cTn>
+                        </p:par>
+                      </p:childTnLst>
+                    </p:cTn>
+                  </p:par>
+                  <p:par>
+                    <p:cTn id="31" fill="hold">
+                      <p:stCondLst>
+                        <p:cond delay="indefinite"/>
+                      </p:stCondLst>
+                      <p:childTnLst>
+                        <p:par>
+                          <p:cTn id="32" fill="hold">
+                            <p:stCondLst>
+                              <p:cond delay="0"/>
+                            </p:stCondLst>
+                            <p:childTnLst>
+                              <p:par>
+                                <p:cTn id="33" presetID="1" presetClass="entr" presetSubtype="0" fill="hold" grpId="0" nodeType="clickEffect">
+                                  <p:stCondLst>
+                                    <p:cond delay="0"/>
+                                  </p:stCondLst>
+                                  <p:childTnLst>
+                                    <p:set>
+                                      <p:cBhvr>
+                                        <p:cTn id="34" dur="1" fill="hold">
+                                          <p:stCondLst>
+                                            <p:cond delay="0"/>
+                                          </p:stCondLst>
+                                        </p:cTn>
+                                        <p:tgtEl>
+                                          <p:spTgt spid="9">
+                                            <p:txEl>
+                                              <p:pRg st="4" end="4"/>
+                                            </p:txEl>
+                                          </p:spTgt>
+                                        </p:tgtEl>
+                                        <p:attrNameLst>
+                                          <p:attrName>style.visibility</p:attrName>
+                                        </p:attrNameLst>
+                                      </p:cBhvr>
+                                      <p:to>
+                                        <p:strVal val="visible"/>
+                                      </p:to>
+                                    </p:set>
+                                  </p:childTnLst>
+                                </p:cTn>
+                              </p:par>
+                            </p:childTnLst>
+                          </p:cTn>
+                        </p:par>
+                      </p:childTnLst>
+                    </p:cTn>
+                  </p:par>
+                </p:childTnLst>
+              </p:cTn>
+              <p:prevCondLst>
+                <p:cond evt="onPrev" delay="0">
+                  <p:tgtEl>
+                    <p:sldTgt/>
+                  </p:tgtEl>
+                </p:cond>
+              </p:prevCondLst>
+              <p:nextCondLst>
+                <p:cond evt="onNext" delay="0">
+                  <p:tgtEl>
+                    <p:sldTgt/>
+                  </p:tgtEl>
+                </p:cond>
+              </p:nextCondLst>
+            </p:seq>
+          </p:childTnLst>
+        </p:cTn>
       </p:par>
     </p:tnLst>
+    <p:bldLst>
+      <p:bldP spid="7" grpId="0" uiExpand="1" build="p"/>
+      <p:bldP spid="9" grpId="0" uiExpand="1" build="p"/>
+    </p:bldLst>
   </p:timing>
 </p:sld>
 </file>
